--- a/13.pptx
+++ b/13.pptx
@@ -217,7 +217,7 @@
           <a:p>
             <a:fld id="{AA93C23F-80D8-41F7-A602-5BAA4D96D6F7}" type="datetimeFigureOut">
               <a:rPr lang="ko-KR" altLang="en-US" smtClean="0"/>
-              <a:t>2019-12-22</a:t>
+              <a:t>2025-03-15</a:t>
             </a:fld>
             <a:endParaRPr lang="ko-KR" altLang="en-US"/>
           </a:p>
@@ -1161,7 +1161,7 @@
           <a:p>
             <a:fld id="{AA93C23F-80D8-41F7-A602-5BAA4D96D6F7}" type="datetimeFigureOut">
               <a:rPr lang="ko-KR" altLang="en-US" smtClean="0"/>
-              <a:t>2019-12-22</a:t>
+              <a:t>2025-03-15</a:t>
             </a:fld>
             <a:endParaRPr lang="ko-KR" altLang="en-US"/>
           </a:p>
@@ -1329,7 +1329,7 @@
           <a:p>
             <a:fld id="{AA93C23F-80D8-41F7-A602-5BAA4D96D6F7}" type="datetimeFigureOut">
               <a:rPr lang="ko-KR" altLang="en-US" smtClean="0"/>
-              <a:t>2019-12-22</a:t>
+              <a:t>2025-03-15</a:t>
             </a:fld>
             <a:endParaRPr lang="ko-KR" altLang="en-US"/>
           </a:p>
@@ -1507,7 +1507,7 @@
           <a:p>
             <a:fld id="{AA93C23F-80D8-41F7-A602-5BAA4D96D6F7}" type="datetimeFigureOut">
               <a:rPr lang="ko-KR" altLang="en-US" smtClean="0"/>
-              <a:t>2019-12-22</a:t>
+              <a:t>2025-03-15</a:t>
             </a:fld>
             <a:endParaRPr lang="ko-KR" altLang="en-US"/>
           </a:p>
@@ -1691,7 +1691,7 @@
           <a:p>
             <a:fld id="{AA93C23F-80D8-41F7-A602-5BAA4D96D6F7}" type="datetimeFigureOut">
               <a:rPr lang="ko-KR" altLang="en-US" smtClean="0"/>
-              <a:t>2019-12-22</a:t>
+              <a:t>2025-03-15</a:t>
             </a:fld>
             <a:endParaRPr lang="ko-KR" altLang="en-US"/>
           </a:p>
@@ -1936,7 +1936,7 @@
           <a:p>
             <a:fld id="{AA93C23F-80D8-41F7-A602-5BAA4D96D6F7}" type="datetimeFigureOut">
               <a:rPr lang="ko-KR" altLang="en-US" smtClean="0"/>
-              <a:t>2019-12-22</a:t>
+              <a:t>2025-03-15</a:t>
             </a:fld>
             <a:endParaRPr lang="ko-KR" altLang="en-US"/>
           </a:p>
@@ -2165,7 +2165,7 @@
           <a:p>
             <a:fld id="{AA93C23F-80D8-41F7-A602-5BAA4D96D6F7}" type="datetimeFigureOut">
               <a:rPr lang="ko-KR" altLang="en-US" smtClean="0"/>
-              <a:t>2019-12-22</a:t>
+              <a:t>2025-03-15</a:t>
             </a:fld>
             <a:endParaRPr lang="ko-KR" altLang="en-US"/>
           </a:p>
@@ -2529,7 +2529,7 @@
           <a:p>
             <a:fld id="{AA93C23F-80D8-41F7-A602-5BAA4D96D6F7}" type="datetimeFigureOut">
               <a:rPr lang="ko-KR" altLang="en-US" smtClean="0"/>
-              <a:t>2019-12-22</a:t>
+              <a:t>2025-03-15</a:t>
             </a:fld>
             <a:endParaRPr lang="ko-KR" altLang="en-US"/>
           </a:p>
@@ -2646,7 +2646,7 @@
           <a:p>
             <a:fld id="{AA93C23F-80D8-41F7-A602-5BAA4D96D6F7}" type="datetimeFigureOut">
               <a:rPr lang="ko-KR" altLang="en-US" smtClean="0"/>
-              <a:t>2019-12-22</a:t>
+              <a:t>2025-03-15</a:t>
             </a:fld>
             <a:endParaRPr lang="ko-KR" altLang="en-US"/>
           </a:p>
@@ -2920,7 +2920,7 @@
                 <a:tabLst/>
                 <a:defRPr/>
               </a:pPr>
-              <a:t>2019-12-21</a:t>
+              <a:t>2025-03-15</a:t>
             </a:fld>
             <a:endParaRPr kumimoji="0" lang="ko-KR" altLang="en-US" sz="1200" b="0" i="0" u="none" strike="noStrike" kern="1200" cap="none" spc="0" normalizeH="0" baseline="0" noProof="0">
               <a:ln>
@@ -3138,7 +3138,7 @@
           <a:p>
             <a:fld id="{AA93C23F-80D8-41F7-A602-5BAA4D96D6F7}" type="datetimeFigureOut">
               <a:rPr lang="ko-KR" altLang="en-US" smtClean="0"/>
-              <a:t>2019-12-22</a:t>
+              <a:t>2025-03-15</a:t>
             </a:fld>
             <a:endParaRPr lang="ko-KR" altLang="en-US"/>
           </a:p>
@@ -3413,7 +3413,7 @@
           <a:p>
             <a:fld id="{AA93C23F-80D8-41F7-A602-5BAA4D96D6F7}" type="datetimeFigureOut">
               <a:rPr lang="ko-KR" altLang="en-US" smtClean="0"/>
-              <a:t>2019-12-22</a:t>
+              <a:t>2025-03-15</a:t>
             </a:fld>
             <a:endParaRPr lang="ko-KR" altLang="en-US"/>
           </a:p>
@@ -3624,7 +3624,7 @@
           <a:p>
             <a:fld id="{AA93C23F-80D8-41F7-A602-5BAA4D96D6F7}" type="datetimeFigureOut">
               <a:rPr lang="ko-KR" altLang="en-US" smtClean="0"/>
-              <a:t>2019-12-22</a:t>
+              <a:t>2025-03-15</a:t>
             </a:fld>
             <a:endParaRPr lang="ko-KR" altLang="en-US"/>
           </a:p>
@@ -5719,6 +5719,139 @@
           </a:prstGeom>
         </p:spPr>
       </p:pic>
+      <p:sp>
+        <p:nvSpPr>
+          <p:cNvPr id="11" name="TextBox 10">
+            <a:extLst>
+              <a:ext uri="{FF2B5EF4-FFF2-40B4-BE49-F238E27FC236}">
+                <a16:creationId xmlns:a16="http://schemas.microsoft.com/office/drawing/2014/main" id="{DD3F77EA-48A1-44C9-A7EB-5A0FBEE8BD4C}"/>
+              </a:ext>
+            </a:extLst>
+          </p:cNvPr>
+          <p:cNvSpPr txBox="1"/>
+          <p:nvPr/>
+        </p:nvSpPr>
+        <p:spPr>
+          <a:xfrm>
+            <a:off x="10627840" y="410360"/>
+            <a:ext cx="607859" cy="307777"/>
+          </a:xfrm>
+          <a:prstGeom prst="rect">
+            <a:avLst/>
+          </a:prstGeom>
+          <a:noFill/>
+        </p:spPr>
+        <p:txBody>
+          <a:bodyPr wrap="none" rtlCol="0">
+            <a:spAutoFit/>
+          </a:bodyPr>
+          <a:lstStyle>
+            <a:defPPr>
+              <a:defRPr lang="ko-KR"/>
+            </a:defPPr>
+            <a:lvl1pPr marL="0" algn="l" defTabSz="914400" rtl="0" eaLnBrk="1" latinLnBrk="1" hangingPunct="1">
+              <a:defRPr sz="1800" kern="1200">
+                <a:solidFill>
+                  <a:schemeClr val="tx1"/>
+                </a:solidFill>
+                <a:latin typeface="+mn-lt"/>
+                <a:ea typeface="+mn-ea"/>
+                <a:cs typeface="+mn-cs"/>
+              </a:defRPr>
+            </a:lvl1pPr>
+            <a:lvl2pPr marL="457200" algn="l" defTabSz="914400" rtl="0" eaLnBrk="1" latinLnBrk="1" hangingPunct="1">
+              <a:defRPr sz="1800" kern="1200">
+                <a:solidFill>
+                  <a:schemeClr val="tx1"/>
+                </a:solidFill>
+                <a:latin typeface="+mn-lt"/>
+                <a:ea typeface="+mn-ea"/>
+                <a:cs typeface="+mn-cs"/>
+              </a:defRPr>
+            </a:lvl2pPr>
+            <a:lvl3pPr marL="914400" algn="l" defTabSz="914400" rtl="0" eaLnBrk="1" latinLnBrk="1" hangingPunct="1">
+              <a:defRPr sz="1800" kern="1200">
+                <a:solidFill>
+                  <a:schemeClr val="tx1"/>
+                </a:solidFill>
+                <a:latin typeface="+mn-lt"/>
+                <a:ea typeface="+mn-ea"/>
+                <a:cs typeface="+mn-cs"/>
+              </a:defRPr>
+            </a:lvl3pPr>
+            <a:lvl4pPr marL="1371600" algn="l" defTabSz="914400" rtl="0" eaLnBrk="1" latinLnBrk="1" hangingPunct="1">
+              <a:defRPr sz="1800" kern="1200">
+                <a:solidFill>
+                  <a:schemeClr val="tx1"/>
+                </a:solidFill>
+                <a:latin typeface="+mn-lt"/>
+                <a:ea typeface="+mn-ea"/>
+                <a:cs typeface="+mn-cs"/>
+              </a:defRPr>
+            </a:lvl4pPr>
+            <a:lvl5pPr marL="1828800" algn="l" defTabSz="914400" rtl="0" eaLnBrk="1" latinLnBrk="1" hangingPunct="1">
+              <a:defRPr sz="1800" kern="1200">
+                <a:solidFill>
+                  <a:schemeClr val="tx1"/>
+                </a:solidFill>
+                <a:latin typeface="+mn-lt"/>
+                <a:ea typeface="+mn-ea"/>
+                <a:cs typeface="+mn-cs"/>
+              </a:defRPr>
+            </a:lvl5pPr>
+            <a:lvl6pPr marL="2286000" algn="l" defTabSz="914400" rtl="0" eaLnBrk="1" latinLnBrk="1" hangingPunct="1">
+              <a:defRPr sz="1800" kern="1200">
+                <a:solidFill>
+                  <a:schemeClr val="tx1"/>
+                </a:solidFill>
+                <a:latin typeface="+mn-lt"/>
+                <a:ea typeface="+mn-ea"/>
+                <a:cs typeface="+mn-cs"/>
+              </a:defRPr>
+            </a:lvl6pPr>
+            <a:lvl7pPr marL="2743200" algn="l" defTabSz="914400" rtl="0" eaLnBrk="1" latinLnBrk="1" hangingPunct="1">
+              <a:defRPr sz="1800" kern="1200">
+                <a:solidFill>
+                  <a:schemeClr val="tx1"/>
+                </a:solidFill>
+                <a:latin typeface="+mn-lt"/>
+                <a:ea typeface="+mn-ea"/>
+                <a:cs typeface="+mn-cs"/>
+              </a:defRPr>
+            </a:lvl7pPr>
+            <a:lvl8pPr marL="3200400" algn="l" defTabSz="914400" rtl="0" eaLnBrk="1" latinLnBrk="1" hangingPunct="1">
+              <a:defRPr sz="1800" kern="1200">
+                <a:solidFill>
+                  <a:schemeClr val="tx1"/>
+                </a:solidFill>
+                <a:latin typeface="+mn-lt"/>
+                <a:ea typeface="+mn-ea"/>
+                <a:cs typeface="+mn-cs"/>
+              </a:defRPr>
+            </a:lvl8pPr>
+            <a:lvl9pPr marL="3657600" algn="l" defTabSz="914400" rtl="0" eaLnBrk="1" latinLnBrk="1" hangingPunct="1">
+              <a:defRPr sz="1800" kern="1200">
+                <a:solidFill>
+                  <a:schemeClr val="tx1"/>
+                </a:solidFill>
+                <a:latin typeface="+mn-lt"/>
+                <a:ea typeface="+mn-ea"/>
+                <a:cs typeface="+mn-cs"/>
+              </a:defRPr>
+            </a:lvl9pPr>
+          </a:lstStyle>
+          <a:p>
+            <a:r>
+              <a:rPr lang="en-US" altLang="ko-KR" sz="1400" b="1" dirty="0">
+                <a:solidFill>
+                  <a:schemeClr val="bg1"/>
+                </a:solidFill>
+              </a:rPr>
+              <a:t>P459</a:t>
+            </a:r>
+          </a:p>
+        </p:txBody>
+      </p:sp>
     </p:spTree>
     <p:extLst>
       <p:ext uri="{BB962C8B-B14F-4D97-AF65-F5344CB8AC3E}">
@@ -6097,6 +6230,139 @@
           </a:prstGeom>
         </p:spPr>
       </p:pic>
+      <p:sp>
+        <p:nvSpPr>
+          <p:cNvPr id="12" name="TextBox 11">
+            <a:extLst>
+              <a:ext uri="{FF2B5EF4-FFF2-40B4-BE49-F238E27FC236}">
+                <a16:creationId xmlns:a16="http://schemas.microsoft.com/office/drawing/2014/main" id="{5F9E39AD-52A5-408C-AD69-5BD5DEB17A42}"/>
+              </a:ext>
+            </a:extLst>
+          </p:cNvPr>
+          <p:cNvSpPr txBox="1"/>
+          <p:nvPr/>
+        </p:nvSpPr>
+        <p:spPr>
+          <a:xfrm>
+            <a:off x="10627840" y="410360"/>
+            <a:ext cx="607859" cy="307777"/>
+          </a:xfrm>
+          <a:prstGeom prst="rect">
+            <a:avLst/>
+          </a:prstGeom>
+          <a:noFill/>
+        </p:spPr>
+        <p:txBody>
+          <a:bodyPr wrap="none" rtlCol="0">
+            <a:spAutoFit/>
+          </a:bodyPr>
+          <a:lstStyle>
+            <a:defPPr>
+              <a:defRPr lang="ko-KR"/>
+            </a:defPPr>
+            <a:lvl1pPr marL="0" algn="l" defTabSz="914400" rtl="0" eaLnBrk="1" latinLnBrk="1" hangingPunct="1">
+              <a:defRPr sz="1800" kern="1200">
+                <a:solidFill>
+                  <a:schemeClr val="tx1"/>
+                </a:solidFill>
+                <a:latin typeface="+mn-lt"/>
+                <a:ea typeface="+mn-ea"/>
+                <a:cs typeface="+mn-cs"/>
+              </a:defRPr>
+            </a:lvl1pPr>
+            <a:lvl2pPr marL="457200" algn="l" defTabSz="914400" rtl="0" eaLnBrk="1" latinLnBrk="1" hangingPunct="1">
+              <a:defRPr sz="1800" kern="1200">
+                <a:solidFill>
+                  <a:schemeClr val="tx1"/>
+                </a:solidFill>
+                <a:latin typeface="+mn-lt"/>
+                <a:ea typeface="+mn-ea"/>
+                <a:cs typeface="+mn-cs"/>
+              </a:defRPr>
+            </a:lvl2pPr>
+            <a:lvl3pPr marL="914400" algn="l" defTabSz="914400" rtl="0" eaLnBrk="1" latinLnBrk="1" hangingPunct="1">
+              <a:defRPr sz="1800" kern="1200">
+                <a:solidFill>
+                  <a:schemeClr val="tx1"/>
+                </a:solidFill>
+                <a:latin typeface="+mn-lt"/>
+                <a:ea typeface="+mn-ea"/>
+                <a:cs typeface="+mn-cs"/>
+              </a:defRPr>
+            </a:lvl3pPr>
+            <a:lvl4pPr marL="1371600" algn="l" defTabSz="914400" rtl="0" eaLnBrk="1" latinLnBrk="1" hangingPunct="1">
+              <a:defRPr sz="1800" kern="1200">
+                <a:solidFill>
+                  <a:schemeClr val="tx1"/>
+                </a:solidFill>
+                <a:latin typeface="+mn-lt"/>
+                <a:ea typeface="+mn-ea"/>
+                <a:cs typeface="+mn-cs"/>
+              </a:defRPr>
+            </a:lvl4pPr>
+            <a:lvl5pPr marL="1828800" algn="l" defTabSz="914400" rtl="0" eaLnBrk="1" latinLnBrk="1" hangingPunct="1">
+              <a:defRPr sz="1800" kern="1200">
+                <a:solidFill>
+                  <a:schemeClr val="tx1"/>
+                </a:solidFill>
+                <a:latin typeface="+mn-lt"/>
+                <a:ea typeface="+mn-ea"/>
+                <a:cs typeface="+mn-cs"/>
+              </a:defRPr>
+            </a:lvl5pPr>
+            <a:lvl6pPr marL="2286000" algn="l" defTabSz="914400" rtl="0" eaLnBrk="1" latinLnBrk="1" hangingPunct="1">
+              <a:defRPr sz="1800" kern="1200">
+                <a:solidFill>
+                  <a:schemeClr val="tx1"/>
+                </a:solidFill>
+                <a:latin typeface="+mn-lt"/>
+                <a:ea typeface="+mn-ea"/>
+                <a:cs typeface="+mn-cs"/>
+              </a:defRPr>
+            </a:lvl6pPr>
+            <a:lvl7pPr marL="2743200" algn="l" defTabSz="914400" rtl="0" eaLnBrk="1" latinLnBrk="1" hangingPunct="1">
+              <a:defRPr sz="1800" kern="1200">
+                <a:solidFill>
+                  <a:schemeClr val="tx1"/>
+                </a:solidFill>
+                <a:latin typeface="+mn-lt"/>
+                <a:ea typeface="+mn-ea"/>
+                <a:cs typeface="+mn-cs"/>
+              </a:defRPr>
+            </a:lvl7pPr>
+            <a:lvl8pPr marL="3200400" algn="l" defTabSz="914400" rtl="0" eaLnBrk="1" latinLnBrk="1" hangingPunct="1">
+              <a:defRPr sz="1800" kern="1200">
+                <a:solidFill>
+                  <a:schemeClr val="tx1"/>
+                </a:solidFill>
+                <a:latin typeface="+mn-lt"/>
+                <a:ea typeface="+mn-ea"/>
+                <a:cs typeface="+mn-cs"/>
+              </a:defRPr>
+            </a:lvl8pPr>
+            <a:lvl9pPr marL="3657600" algn="l" defTabSz="914400" rtl="0" eaLnBrk="1" latinLnBrk="1" hangingPunct="1">
+              <a:defRPr sz="1800" kern="1200">
+                <a:solidFill>
+                  <a:schemeClr val="tx1"/>
+                </a:solidFill>
+                <a:latin typeface="+mn-lt"/>
+                <a:ea typeface="+mn-ea"/>
+                <a:cs typeface="+mn-cs"/>
+              </a:defRPr>
+            </a:lvl9pPr>
+          </a:lstStyle>
+          <a:p>
+            <a:r>
+              <a:rPr lang="en-US" altLang="ko-KR" sz="1400" b="1" dirty="0">
+                <a:solidFill>
+                  <a:schemeClr val="bg1"/>
+                </a:solidFill>
+              </a:rPr>
+              <a:t>P459</a:t>
+            </a:r>
+          </a:p>
+        </p:txBody>
+      </p:sp>
     </p:spTree>
     <p:extLst>
       <p:ext uri="{BB962C8B-B14F-4D97-AF65-F5344CB8AC3E}">
@@ -7244,6 +7510,139 @@
           </a:prstGeom>
         </p:spPr>
       </p:pic>
+      <p:sp>
+        <p:nvSpPr>
+          <p:cNvPr id="10" name="TextBox 9">
+            <a:extLst>
+              <a:ext uri="{FF2B5EF4-FFF2-40B4-BE49-F238E27FC236}">
+                <a16:creationId xmlns:a16="http://schemas.microsoft.com/office/drawing/2014/main" id="{6EA43DAF-AE90-4A4A-849E-39A6552655BA}"/>
+              </a:ext>
+            </a:extLst>
+          </p:cNvPr>
+          <p:cNvSpPr txBox="1"/>
+          <p:nvPr/>
+        </p:nvSpPr>
+        <p:spPr>
+          <a:xfrm>
+            <a:off x="10627840" y="410360"/>
+            <a:ext cx="607859" cy="307777"/>
+          </a:xfrm>
+          <a:prstGeom prst="rect">
+            <a:avLst/>
+          </a:prstGeom>
+          <a:noFill/>
+        </p:spPr>
+        <p:txBody>
+          <a:bodyPr wrap="none" rtlCol="0">
+            <a:spAutoFit/>
+          </a:bodyPr>
+          <a:lstStyle>
+            <a:defPPr>
+              <a:defRPr lang="ko-KR"/>
+            </a:defPPr>
+            <a:lvl1pPr marL="0" algn="l" defTabSz="914400" rtl="0" eaLnBrk="1" latinLnBrk="1" hangingPunct="1">
+              <a:defRPr sz="1800" kern="1200">
+                <a:solidFill>
+                  <a:schemeClr val="tx1"/>
+                </a:solidFill>
+                <a:latin typeface="+mn-lt"/>
+                <a:ea typeface="+mn-ea"/>
+                <a:cs typeface="+mn-cs"/>
+              </a:defRPr>
+            </a:lvl1pPr>
+            <a:lvl2pPr marL="457200" algn="l" defTabSz="914400" rtl="0" eaLnBrk="1" latinLnBrk="1" hangingPunct="1">
+              <a:defRPr sz="1800" kern="1200">
+                <a:solidFill>
+                  <a:schemeClr val="tx1"/>
+                </a:solidFill>
+                <a:latin typeface="+mn-lt"/>
+                <a:ea typeface="+mn-ea"/>
+                <a:cs typeface="+mn-cs"/>
+              </a:defRPr>
+            </a:lvl2pPr>
+            <a:lvl3pPr marL="914400" algn="l" defTabSz="914400" rtl="0" eaLnBrk="1" latinLnBrk="1" hangingPunct="1">
+              <a:defRPr sz="1800" kern="1200">
+                <a:solidFill>
+                  <a:schemeClr val="tx1"/>
+                </a:solidFill>
+                <a:latin typeface="+mn-lt"/>
+                <a:ea typeface="+mn-ea"/>
+                <a:cs typeface="+mn-cs"/>
+              </a:defRPr>
+            </a:lvl3pPr>
+            <a:lvl4pPr marL="1371600" algn="l" defTabSz="914400" rtl="0" eaLnBrk="1" latinLnBrk="1" hangingPunct="1">
+              <a:defRPr sz="1800" kern="1200">
+                <a:solidFill>
+                  <a:schemeClr val="tx1"/>
+                </a:solidFill>
+                <a:latin typeface="+mn-lt"/>
+                <a:ea typeface="+mn-ea"/>
+                <a:cs typeface="+mn-cs"/>
+              </a:defRPr>
+            </a:lvl4pPr>
+            <a:lvl5pPr marL="1828800" algn="l" defTabSz="914400" rtl="0" eaLnBrk="1" latinLnBrk="1" hangingPunct="1">
+              <a:defRPr sz="1800" kern="1200">
+                <a:solidFill>
+                  <a:schemeClr val="tx1"/>
+                </a:solidFill>
+                <a:latin typeface="+mn-lt"/>
+                <a:ea typeface="+mn-ea"/>
+                <a:cs typeface="+mn-cs"/>
+              </a:defRPr>
+            </a:lvl5pPr>
+            <a:lvl6pPr marL="2286000" algn="l" defTabSz="914400" rtl="0" eaLnBrk="1" latinLnBrk="1" hangingPunct="1">
+              <a:defRPr sz="1800" kern="1200">
+                <a:solidFill>
+                  <a:schemeClr val="tx1"/>
+                </a:solidFill>
+                <a:latin typeface="+mn-lt"/>
+                <a:ea typeface="+mn-ea"/>
+                <a:cs typeface="+mn-cs"/>
+              </a:defRPr>
+            </a:lvl6pPr>
+            <a:lvl7pPr marL="2743200" algn="l" defTabSz="914400" rtl="0" eaLnBrk="1" latinLnBrk="1" hangingPunct="1">
+              <a:defRPr sz="1800" kern="1200">
+                <a:solidFill>
+                  <a:schemeClr val="tx1"/>
+                </a:solidFill>
+                <a:latin typeface="+mn-lt"/>
+                <a:ea typeface="+mn-ea"/>
+                <a:cs typeface="+mn-cs"/>
+              </a:defRPr>
+            </a:lvl7pPr>
+            <a:lvl8pPr marL="3200400" algn="l" defTabSz="914400" rtl="0" eaLnBrk="1" latinLnBrk="1" hangingPunct="1">
+              <a:defRPr sz="1800" kern="1200">
+                <a:solidFill>
+                  <a:schemeClr val="tx1"/>
+                </a:solidFill>
+                <a:latin typeface="+mn-lt"/>
+                <a:ea typeface="+mn-ea"/>
+                <a:cs typeface="+mn-cs"/>
+              </a:defRPr>
+            </a:lvl8pPr>
+            <a:lvl9pPr marL="3657600" algn="l" defTabSz="914400" rtl="0" eaLnBrk="1" latinLnBrk="1" hangingPunct="1">
+              <a:defRPr sz="1800" kern="1200">
+                <a:solidFill>
+                  <a:schemeClr val="tx1"/>
+                </a:solidFill>
+                <a:latin typeface="+mn-lt"/>
+                <a:ea typeface="+mn-ea"/>
+                <a:cs typeface="+mn-cs"/>
+              </a:defRPr>
+            </a:lvl9pPr>
+          </a:lstStyle>
+          <a:p>
+            <a:r>
+              <a:rPr lang="en-US" altLang="ko-KR" sz="1400" b="1" dirty="0">
+                <a:solidFill>
+                  <a:schemeClr val="bg1"/>
+                </a:solidFill>
+              </a:rPr>
+              <a:t>P461</a:t>
+            </a:r>
+          </a:p>
+        </p:txBody>
+      </p:sp>
     </p:spTree>
     <p:extLst>
       <p:ext uri="{BB962C8B-B14F-4D97-AF65-F5344CB8AC3E}">
@@ -8488,6 +8887,139 @@
           </a:p>
         </p:txBody>
       </p:sp>
+      <p:sp>
+        <p:nvSpPr>
+          <p:cNvPr id="15" name="TextBox 14">
+            <a:extLst>
+              <a:ext uri="{FF2B5EF4-FFF2-40B4-BE49-F238E27FC236}">
+                <a16:creationId xmlns:a16="http://schemas.microsoft.com/office/drawing/2014/main" id="{15421313-20E9-4EAA-BB2D-352B17D1CED1}"/>
+              </a:ext>
+            </a:extLst>
+          </p:cNvPr>
+          <p:cNvSpPr txBox="1"/>
+          <p:nvPr/>
+        </p:nvSpPr>
+        <p:spPr>
+          <a:xfrm>
+            <a:off x="10627840" y="410360"/>
+            <a:ext cx="607859" cy="307777"/>
+          </a:xfrm>
+          <a:prstGeom prst="rect">
+            <a:avLst/>
+          </a:prstGeom>
+          <a:noFill/>
+        </p:spPr>
+        <p:txBody>
+          <a:bodyPr wrap="none" rtlCol="0">
+            <a:spAutoFit/>
+          </a:bodyPr>
+          <a:lstStyle>
+            <a:defPPr>
+              <a:defRPr lang="ko-KR"/>
+            </a:defPPr>
+            <a:lvl1pPr marL="0" algn="l" defTabSz="914400" rtl="0" eaLnBrk="1" latinLnBrk="1" hangingPunct="1">
+              <a:defRPr sz="1800" kern="1200">
+                <a:solidFill>
+                  <a:schemeClr val="tx1"/>
+                </a:solidFill>
+                <a:latin typeface="+mn-lt"/>
+                <a:ea typeface="+mn-ea"/>
+                <a:cs typeface="+mn-cs"/>
+              </a:defRPr>
+            </a:lvl1pPr>
+            <a:lvl2pPr marL="457200" algn="l" defTabSz="914400" rtl="0" eaLnBrk="1" latinLnBrk="1" hangingPunct="1">
+              <a:defRPr sz="1800" kern="1200">
+                <a:solidFill>
+                  <a:schemeClr val="tx1"/>
+                </a:solidFill>
+                <a:latin typeface="+mn-lt"/>
+                <a:ea typeface="+mn-ea"/>
+                <a:cs typeface="+mn-cs"/>
+              </a:defRPr>
+            </a:lvl2pPr>
+            <a:lvl3pPr marL="914400" algn="l" defTabSz="914400" rtl="0" eaLnBrk="1" latinLnBrk="1" hangingPunct="1">
+              <a:defRPr sz="1800" kern="1200">
+                <a:solidFill>
+                  <a:schemeClr val="tx1"/>
+                </a:solidFill>
+                <a:latin typeface="+mn-lt"/>
+                <a:ea typeface="+mn-ea"/>
+                <a:cs typeface="+mn-cs"/>
+              </a:defRPr>
+            </a:lvl3pPr>
+            <a:lvl4pPr marL="1371600" algn="l" defTabSz="914400" rtl="0" eaLnBrk="1" latinLnBrk="1" hangingPunct="1">
+              <a:defRPr sz="1800" kern="1200">
+                <a:solidFill>
+                  <a:schemeClr val="tx1"/>
+                </a:solidFill>
+                <a:latin typeface="+mn-lt"/>
+                <a:ea typeface="+mn-ea"/>
+                <a:cs typeface="+mn-cs"/>
+              </a:defRPr>
+            </a:lvl4pPr>
+            <a:lvl5pPr marL="1828800" algn="l" defTabSz="914400" rtl="0" eaLnBrk="1" latinLnBrk="1" hangingPunct="1">
+              <a:defRPr sz="1800" kern="1200">
+                <a:solidFill>
+                  <a:schemeClr val="tx1"/>
+                </a:solidFill>
+                <a:latin typeface="+mn-lt"/>
+                <a:ea typeface="+mn-ea"/>
+                <a:cs typeface="+mn-cs"/>
+              </a:defRPr>
+            </a:lvl5pPr>
+            <a:lvl6pPr marL="2286000" algn="l" defTabSz="914400" rtl="0" eaLnBrk="1" latinLnBrk="1" hangingPunct="1">
+              <a:defRPr sz="1800" kern="1200">
+                <a:solidFill>
+                  <a:schemeClr val="tx1"/>
+                </a:solidFill>
+                <a:latin typeface="+mn-lt"/>
+                <a:ea typeface="+mn-ea"/>
+                <a:cs typeface="+mn-cs"/>
+              </a:defRPr>
+            </a:lvl6pPr>
+            <a:lvl7pPr marL="2743200" algn="l" defTabSz="914400" rtl="0" eaLnBrk="1" latinLnBrk="1" hangingPunct="1">
+              <a:defRPr sz="1800" kern="1200">
+                <a:solidFill>
+                  <a:schemeClr val="tx1"/>
+                </a:solidFill>
+                <a:latin typeface="+mn-lt"/>
+                <a:ea typeface="+mn-ea"/>
+                <a:cs typeface="+mn-cs"/>
+              </a:defRPr>
+            </a:lvl7pPr>
+            <a:lvl8pPr marL="3200400" algn="l" defTabSz="914400" rtl="0" eaLnBrk="1" latinLnBrk="1" hangingPunct="1">
+              <a:defRPr sz="1800" kern="1200">
+                <a:solidFill>
+                  <a:schemeClr val="tx1"/>
+                </a:solidFill>
+                <a:latin typeface="+mn-lt"/>
+                <a:ea typeface="+mn-ea"/>
+                <a:cs typeface="+mn-cs"/>
+              </a:defRPr>
+            </a:lvl8pPr>
+            <a:lvl9pPr marL="3657600" algn="l" defTabSz="914400" rtl="0" eaLnBrk="1" latinLnBrk="1" hangingPunct="1">
+              <a:defRPr sz="1800" kern="1200">
+                <a:solidFill>
+                  <a:schemeClr val="tx1"/>
+                </a:solidFill>
+                <a:latin typeface="+mn-lt"/>
+                <a:ea typeface="+mn-ea"/>
+                <a:cs typeface="+mn-cs"/>
+              </a:defRPr>
+            </a:lvl9pPr>
+          </a:lstStyle>
+          <a:p>
+            <a:r>
+              <a:rPr lang="en-US" altLang="ko-KR" sz="1400" b="1" dirty="0">
+                <a:solidFill>
+                  <a:schemeClr val="bg1"/>
+                </a:solidFill>
+              </a:rPr>
+              <a:t>P463</a:t>
+            </a:r>
+          </a:p>
+        </p:txBody>
+      </p:sp>
     </p:spTree>
     <p:extLst>
       <p:ext uri="{BB962C8B-B14F-4D97-AF65-F5344CB8AC3E}">
@@ -8813,6 +9345,139 @@
           </a:prstGeom>
         </p:spPr>
       </p:pic>
+      <p:sp>
+        <p:nvSpPr>
+          <p:cNvPr id="14" name="TextBox 13">
+            <a:extLst>
+              <a:ext uri="{FF2B5EF4-FFF2-40B4-BE49-F238E27FC236}">
+                <a16:creationId xmlns:a16="http://schemas.microsoft.com/office/drawing/2014/main" id="{EDF12723-8826-4DBB-A79C-383305C4A5D6}"/>
+              </a:ext>
+            </a:extLst>
+          </p:cNvPr>
+          <p:cNvSpPr txBox="1"/>
+          <p:nvPr/>
+        </p:nvSpPr>
+        <p:spPr>
+          <a:xfrm>
+            <a:off x="10627840" y="410360"/>
+            <a:ext cx="607859" cy="307777"/>
+          </a:xfrm>
+          <a:prstGeom prst="rect">
+            <a:avLst/>
+          </a:prstGeom>
+          <a:noFill/>
+        </p:spPr>
+        <p:txBody>
+          <a:bodyPr wrap="none" rtlCol="0">
+            <a:spAutoFit/>
+          </a:bodyPr>
+          <a:lstStyle>
+            <a:defPPr>
+              <a:defRPr lang="ko-KR"/>
+            </a:defPPr>
+            <a:lvl1pPr marL="0" algn="l" defTabSz="914400" rtl="0" eaLnBrk="1" latinLnBrk="1" hangingPunct="1">
+              <a:defRPr sz="1800" kern="1200">
+                <a:solidFill>
+                  <a:schemeClr val="tx1"/>
+                </a:solidFill>
+                <a:latin typeface="+mn-lt"/>
+                <a:ea typeface="+mn-ea"/>
+                <a:cs typeface="+mn-cs"/>
+              </a:defRPr>
+            </a:lvl1pPr>
+            <a:lvl2pPr marL="457200" algn="l" defTabSz="914400" rtl="0" eaLnBrk="1" latinLnBrk="1" hangingPunct="1">
+              <a:defRPr sz="1800" kern="1200">
+                <a:solidFill>
+                  <a:schemeClr val="tx1"/>
+                </a:solidFill>
+                <a:latin typeface="+mn-lt"/>
+                <a:ea typeface="+mn-ea"/>
+                <a:cs typeface="+mn-cs"/>
+              </a:defRPr>
+            </a:lvl2pPr>
+            <a:lvl3pPr marL="914400" algn="l" defTabSz="914400" rtl="0" eaLnBrk="1" latinLnBrk="1" hangingPunct="1">
+              <a:defRPr sz="1800" kern="1200">
+                <a:solidFill>
+                  <a:schemeClr val="tx1"/>
+                </a:solidFill>
+                <a:latin typeface="+mn-lt"/>
+                <a:ea typeface="+mn-ea"/>
+                <a:cs typeface="+mn-cs"/>
+              </a:defRPr>
+            </a:lvl3pPr>
+            <a:lvl4pPr marL="1371600" algn="l" defTabSz="914400" rtl="0" eaLnBrk="1" latinLnBrk="1" hangingPunct="1">
+              <a:defRPr sz="1800" kern="1200">
+                <a:solidFill>
+                  <a:schemeClr val="tx1"/>
+                </a:solidFill>
+                <a:latin typeface="+mn-lt"/>
+                <a:ea typeface="+mn-ea"/>
+                <a:cs typeface="+mn-cs"/>
+              </a:defRPr>
+            </a:lvl4pPr>
+            <a:lvl5pPr marL="1828800" algn="l" defTabSz="914400" rtl="0" eaLnBrk="1" latinLnBrk="1" hangingPunct="1">
+              <a:defRPr sz="1800" kern="1200">
+                <a:solidFill>
+                  <a:schemeClr val="tx1"/>
+                </a:solidFill>
+                <a:latin typeface="+mn-lt"/>
+                <a:ea typeface="+mn-ea"/>
+                <a:cs typeface="+mn-cs"/>
+              </a:defRPr>
+            </a:lvl5pPr>
+            <a:lvl6pPr marL="2286000" algn="l" defTabSz="914400" rtl="0" eaLnBrk="1" latinLnBrk="1" hangingPunct="1">
+              <a:defRPr sz="1800" kern="1200">
+                <a:solidFill>
+                  <a:schemeClr val="tx1"/>
+                </a:solidFill>
+                <a:latin typeface="+mn-lt"/>
+                <a:ea typeface="+mn-ea"/>
+                <a:cs typeface="+mn-cs"/>
+              </a:defRPr>
+            </a:lvl6pPr>
+            <a:lvl7pPr marL="2743200" algn="l" defTabSz="914400" rtl="0" eaLnBrk="1" latinLnBrk="1" hangingPunct="1">
+              <a:defRPr sz="1800" kern="1200">
+                <a:solidFill>
+                  <a:schemeClr val="tx1"/>
+                </a:solidFill>
+                <a:latin typeface="+mn-lt"/>
+                <a:ea typeface="+mn-ea"/>
+                <a:cs typeface="+mn-cs"/>
+              </a:defRPr>
+            </a:lvl7pPr>
+            <a:lvl8pPr marL="3200400" algn="l" defTabSz="914400" rtl="0" eaLnBrk="1" latinLnBrk="1" hangingPunct="1">
+              <a:defRPr sz="1800" kern="1200">
+                <a:solidFill>
+                  <a:schemeClr val="tx1"/>
+                </a:solidFill>
+                <a:latin typeface="+mn-lt"/>
+                <a:ea typeface="+mn-ea"/>
+                <a:cs typeface="+mn-cs"/>
+              </a:defRPr>
+            </a:lvl8pPr>
+            <a:lvl9pPr marL="3657600" algn="l" defTabSz="914400" rtl="0" eaLnBrk="1" latinLnBrk="1" hangingPunct="1">
+              <a:defRPr sz="1800" kern="1200">
+                <a:solidFill>
+                  <a:schemeClr val="tx1"/>
+                </a:solidFill>
+                <a:latin typeface="+mn-lt"/>
+                <a:ea typeface="+mn-ea"/>
+                <a:cs typeface="+mn-cs"/>
+              </a:defRPr>
+            </a:lvl9pPr>
+          </a:lstStyle>
+          <a:p>
+            <a:r>
+              <a:rPr lang="en-US" altLang="ko-KR" sz="1400" b="1" dirty="0">
+                <a:solidFill>
+                  <a:schemeClr val="bg1"/>
+                </a:solidFill>
+              </a:rPr>
+              <a:t>P464</a:t>
+            </a:r>
+          </a:p>
+        </p:txBody>
+      </p:sp>
     </p:spTree>
     <p:extLst>
       <p:ext uri="{BB962C8B-B14F-4D97-AF65-F5344CB8AC3E}">
@@ -9768,6 +10433,139 @@
           </a:fontRef>
         </p:style>
       </p:cxnSp>
+      <p:sp>
+        <p:nvSpPr>
+          <p:cNvPr id="13" name="TextBox 12">
+            <a:extLst>
+              <a:ext uri="{FF2B5EF4-FFF2-40B4-BE49-F238E27FC236}">
+                <a16:creationId xmlns:a16="http://schemas.microsoft.com/office/drawing/2014/main" id="{56FB5DBB-C149-4B1C-A157-63B1E53DFFFD}"/>
+              </a:ext>
+            </a:extLst>
+          </p:cNvPr>
+          <p:cNvSpPr txBox="1"/>
+          <p:nvPr/>
+        </p:nvSpPr>
+        <p:spPr>
+          <a:xfrm>
+            <a:off x="10627840" y="410360"/>
+            <a:ext cx="607859" cy="307777"/>
+          </a:xfrm>
+          <a:prstGeom prst="rect">
+            <a:avLst/>
+          </a:prstGeom>
+          <a:noFill/>
+        </p:spPr>
+        <p:txBody>
+          <a:bodyPr wrap="none" rtlCol="0">
+            <a:spAutoFit/>
+          </a:bodyPr>
+          <a:lstStyle>
+            <a:defPPr>
+              <a:defRPr lang="ko-KR"/>
+            </a:defPPr>
+            <a:lvl1pPr marL="0" algn="l" defTabSz="914400" rtl="0" eaLnBrk="1" latinLnBrk="1" hangingPunct="1">
+              <a:defRPr sz="1800" kern="1200">
+                <a:solidFill>
+                  <a:schemeClr val="tx1"/>
+                </a:solidFill>
+                <a:latin typeface="+mn-lt"/>
+                <a:ea typeface="+mn-ea"/>
+                <a:cs typeface="+mn-cs"/>
+              </a:defRPr>
+            </a:lvl1pPr>
+            <a:lvl2pPr marL="457200" algn="l" defTabSz="914400" rtl="0" eaLnBrk="1" latinLnBrk="1" hangingPunct="1">
+              <a:defRPr sz="1800" kern="1200">
+                <a:solidFill>
+                  <a:schemeClr val="tx1"/>
+                </a:solidFill>
+                <a:latin typeface="+mn-lt"/>
+                <a:ea typeface="+mn-ea"/>
+                <a:cs typeface="+mn-cs"/>
+              </a:defRPr>
+            </a:lvl2pPr>
+            <a:lvl3pPr marL="914400" algn="l" defTabSz="914400" rtl="0" eaLnBrk="1" latinLnBrk="1" hangingPunct="1">
+              <a:defRPr sz="1800" kern="1200">
+                <a:solidFill>
+                  <a:schemeClr val="tx1"/>
+                </a:solidFill>
+                <a:latin typeface="+mn-lt"/>
+                <a:ea typeface="+mn-ea"/>
+                <a:cs typeface="+mn-cs"/>
+              </a:defRPr>
+            </a:lvl3pPr>
+            <a:lvl4pPr marL="1371600" algn="l" defTabSz="914400" rtl="0" eaLnBrk="1" latinLnBrk="1" hangingPunct="1">
+              <a:defRPr sz="1800" kern="1200">
+                <a:solidFill>
+                  <a:schemeClr val="tx1"/>
+                </a:solidFill>
+                <a:latin typeface="+mn-lt"/>
+                <a:ea typeface="+mn-ea"/>
+                <a:cs typeface="+mn-cs"/>
+              </a:defRPr>
+            </a:lvl4pPr>
+            <a:lvl5pPr marL="1828800" algn="l" defTabSz="914400" rtl="0" eaLnBrk="1" latinLnBrk="1" hangingPunct="1">
+              <a:defRPr sz="1800" kern="1200">
+                <a:solidFill>
+                  <a:schemeClr val="tx1"/>
+                </a:solidFill>
+                <a:latin typeface="+mn-lt"/>
+                <a:ea typeface="+mn-ea"/>
+                <a:cs typeface="+mn-cs"/>
+              </a:defRPr>
+            </a:lvl5pPr>
+            <a:lvl6pPr marL="2286000" algn="l" defTabSz="914400" rtl="0" eaLnBrk="1" latinLnBrk="1" hangingPunct="1">
+              <a:defRPr sz="1800" kern="1200">
+                <a:solidFill>
+                  <a:schemeClr val="tx1"/>
+                </a:solidFill>
+                <a:latin typeface="+mn-lt"/>
+                <a:ea typeface="+mn-ea"/>
+                <a:cs typeface="+mn-cs"/>
+              </a:defRPr>
+            </a:lvl6pPr>
+            <a:lvl7pPr marL="2743200" algn="l" defTabSz="914400" rtl="0" eaLnBrk="1" latinLnBrk="1" hangingPunct="1">
+              <a:defRPr sz="1800" kern="1200">
+                <a:solidFill>
+                  <a:schemeClr val="tx1"/>
+                </a:solidFill>
+                <a:latin typeface="+mn-lt"/>
+                <a:ea typeface="+mn-ea"/>
+                <a:cs typeface="+mn-cs"/>
+              </a:defRPr>
+            </a:lvl7pPr>
+            <a:lvl8pPr marL="3200400" algn="l" defTabSz="914400" rtl="0" eaLnBrk="1" latinLnBrk="1" hangingPunct="1">
+              <a:defRPr sz="1800" kern="1200">
+                <a:solidFill>
+                  <a:schemeClr val="tx1"/>
+                </a:solidFill>
+                <a:latin typeface="+mn-lt"/>
+                <a:ea typeface="+mn-ea"/>
+                <a:cs typeface="+mn-cs"/>
+              </a:defRPr>
+            </a:lvl8pPr>
+            <a:lvl9pPr marL="3657600" algn="l" defTabSz="914400" rtl="0" eaLnBrk="1" latinLnBrk="1" hangingPunct="1">
+              <a:defRPr sz="1800" kern="1200">
+                <a:solidFill>
+                  <a:schemeClr val="tx1"/>
+                </a:solidFill>
+                <a:latin typeface="+mn-lt"/>
+                <a:ea typeface="+mn-ea"/>
+                <a:cs typeface="+mn-cs"/>
+              </a:defRPr>
+            </a:lvl9pPr>
+          </a:lstStyle>
+          <a:p>
+            <a:r>
+              <a:rPr lang="en-US" altLang="ko-KR" sz="1400" b="1" dirty="0">
+                <a:solidFill>
+                  <a:schemeClr val="bg1"/>
+                </a:solidFill>
+              </a:rPr>
+              <a:t>P466</a:t>
+            </a:r>
+          </a:p>
+        </p:txBody>
+      </p:sp>
     </p:spTree>
     <p:extLst>
       <p:ext uri="{BB962C8B-B14F-4D97-AF65-F5344CB8AC3E}">
@@ -10457,6 +11255,139 @@
           </a:prstGeom>
         </p:spPr>
       </p:pic>
+      <p:sp>
+        <p:nvSpPr>
+          <p:cNvPr id="13" name="TextBox 12">
+            <a:extLst>
+              <a:ext uri="{FF2B5EF4-FFF2-40B4-BE49-F238E27FC236}">
+                <a16:creationId xmlns:a16="http://schemas.microsoft.com/office/drawing/2014/main" id="{241C8D8E-CF81-471D-A40D-0471F0140B9B}"/>
+              </a:ext>
+            </a:extLst>
+          </p:cNvPr>
+          <p:cNvSpPr txBox="1"/>
+          <p:nvPr/>
+        </p:nvSpPr>
+        <p:spPr>
+          <a:xfrm>
+            <a:off x="10627840" y="410360"/>
+            <a:ext cx="607859" cy="307777"/>
+          </a:xfrm>
+          <a:prstGeom prst="rect">
+            <a:avLst/>
+          </a:prstGeom>
+          <a:noFill/>
+        </p:spPr>
+        <p:txBody>
+          <a:bodyPr wrap="none" rtlCol="0">
+            <a:spAutoFit/>
+          </a:bodyPr>
+          <a:lstStyle>
+            <a:defPPr>
+              <a:defRPr lang="ko-KR"/>
+            </a:defPPr>
+            <a:lvl1pPr marL="0" algn="l" defTabSz="914400" rtl="0" eaLnBrk="1" latinLnBrk="1" hangingPunct="1">
+              <a:defRPr sz="1800" kern="1200">
+                <a:solidFill>
+                  <a:schemeClr val="tx1"/>
+                </a:solidFill>
+                <a:latin typeface="+mn-lt"/>
+                <a:ea typeface="+mn-ea"/>
+                <a:cs typeface="+mn-cs"/>
+              </a:defRPr>
+            </a:lvl1pPr>
+            <a:lvl2pPr marL="457200" algn="l" defTabSz="914400" rtl="0" eaLnBrk="1" latinLnBrk="1" hangingPunct="1">
+              <a:defRPr sz="1800" kern="1200">
+                <a:solidFill>
+                  <a:schemeClr val="tx1"/>
+                </a:solidFill>
+                <a:latin typeface="+mn-lt"/>
+                <a:ea typeface="+mn-ea"/>
+                <a:cs typeface="+mn-cs"/>
+              </a:defRPr>
+            </a:lvl2pPr>
+            <a:lvl3pPr marL="914400" algn="l" defTabSz="914400" rtl="0" eaLnBrk="1" latinLnBrk="1" hangingPunct="1">
+              <a:defRPr sz="1800" kern="1200">
+                <a:solidFill>
+                  <a:schemeClr val="tx1"/>
+                </a:solidFill>
+                <a:latin typeface="+mn-lt"/>
+                <a:ea typeface="+mn-ea"/>
+                <a:cs typeface="+mn-cs"/>
+              </a:defRPr>
+            </a:lvl3pPr>
+            <a:lvl4pPr marL="1371600" algn="l" defTabSz="914400" rtl="0" eaLnBrk="1" latinLnBrk="1" hangingPunct="1">
+              <a:defRPr sz="1800" kern="1200">
+                <a:solidFill>
+                  <a:schemeClr val="tx1"/>
+                </a:solidFill>
+                <a:latin typeface="+mn-lt"/>
+                <a:ea typeface="+mn-ea"/>
+                <a:cs typeface="+mn-cs"/>
+              </a:defRPr>
+            </a:lvl4pPr>
+            <a:lvl5pPr marL="1828800" algn="l" defTabSz="914400" rtl="0" eaLnBrk="1" latinLnBrk="1" hangingPunct="1">
+              <a:defRPr sz="1800" kern="1200">
+                <a:solidFill>
+                  <a:schemeClr val="tx1"/>
+                </a:solidFill>
+                <a:latin typeface="+mn-lt"/>
+                <a:ea typeface="+mn-ea"/>
+                <a:cs typeface="+mn-cs"/>
+              </a:defRPr>
+            </a:lvl5pPr>
+            <a:lvl6pPr marL="2286000" algn="l" defTabSz="914400" rtl="0" eaLnBrk="1" latinLnBrk="1" hangingPunct="1">
+              <a:defRPr sz="1800" kern="1200">
+                <a:solidFill>
+                  <a:schemeClr val="tx1"/>
+                </a:solidFill>
+                <a:latin typeface="+mn-lt"/>
+                <a:ea typeface="+mn-ea"/>
+                <a:cs typeface="+mn-cs"/>
+              </a:defRPr>
+            </a:lvl6pPr>
+            <a:lvl7pPr marL="2743200" algn="l" defTabSz="914400" rtl="0" eaLnBrk="1" latinLnBrk="1" hangingPunct="1">
+              <a:defRPr sz="1800" kern="1200">
+                <a:solidFill>
+                  <a:schemeClr val="tx1"/>
+                </a:solidFill>
+                <a:latin typeface="+mn-lt"/>
+                <a:ea typeface="+mn-ea"/>
+                <a:cs typeface="+mn-cs"/>
+              </a:defRPr>
+            </a:lvl7pPr>
+            <a:lvl8pPr marL="3200400" algn="l" defTabSz="914400" rtl="0" eaLnBrk="1" latinLnBrk="1" hangingPunct="1">
+              <a:defRPr sz="1800" kern="1200">
+                <a:solidFill>
+                  <a:schemeClr val="tx1"/>
+                </a:solidFill>
+                <a:latin typeface="+mn-lt"/>
+                <a:ea typeface="+mn-ea"/>
+                <a:cs typeface="+mn-cs"/>
+              </a:defRPr>
+            </a:lvl8pPr>
+            <a:lvl9pPr marL="3657600" algn="l" defTabSz="914400" rtl="0" eaLnBrk="1" latinLnBrk="1" hangingPunct="1">
+              <a:defRPr sz="1800" kern="1200">
+                <a:solidFill>
+                  <a:schemeClr val="tx1"/>
+                </a:solidFill>
+                <a:latin typeface="+mn-lt"/>
+                <a:ea typeface="+mn-ea"/>
+                <a:cs typeface="+mn-cs"/>
+              </a:defRPr>
+            </a:lvl9pPr>
+          </a:lstStyle>
+          <a:p>
+            <a:r>
+              <a:rPr lang="en-US" altLang="ko-KR" sz="1400" b="1" dirty="0">
+                <a:solidFill>
+                  <a:schemeClr val="bg1"/>
+                </a:solidFill>
+              </a:rPr>
+              <a:t>P469</a:t>
+            </a:r>
+          </a:p>
+        </p:txBody>
+      </p:sp>
     </p:spTree>
     <p:extLst>
       <p:ext uri="{BB962C8B-B14F-4D97-AF65-F5344CB8AC3E}">
@@ -10808,6 +11739,139 @@
           </a:p>
         </p:txBody>
       </p:sp>
+      <p:sp>
+        <p:nvSpPr>
+          <p:cNvPr id="9" name="TextBox 8">
+            <a:extLst>
+              <a:ext uri="{FF2B5EF4-FFF2-40B4-BE49-F238E27FC236}">
+                <a16:creationId xmlns:a16="http://schemas.microsoft.com/office/drawing/2014/main" id="{709FB4BE-E95B-4069-BF66-171A780B13CD}"/>
+              </a:ext>
+            </a:extLst>
+          </p:cNvPr>
+          <p:cNvSpPr txBox="1"/>
+          <p:nvPr/>
+        </p:nvSpPr>
+        <p:spPr>
+          <a:xfrm>
+            <a:off x="10627840" y="410360"/>
+            <a:ext cx="607859" cy="307777"/>
+          </a:xfrm>
+          <a:prstGeom prst="rect">
+            <a:avLst/>
+          </a:prstGeom>
+          <a:noFill/>
+        </p:spPr>
+        <p:txBody>
+          <a:bodyPr wrap="none" rtlCol="0">
+            <a:spAutoFit/>
+          </a:bodyPr>
+          <a:lstStyle>
+            <a:defPPr>
+              <a:defRPr lang="ko-KR"/>
+            </a:defPPr>
+            <a:lvl1pPr marL="0" algn="l" defTabSz="914400" rtl="0" eaLnBrk="1" latinLnBrk="1" hangingPunct="1">
+              <a:defRPr sz="1800" kern="1200">
+                <a:solidFill>
+                  <a:schemeClr val="tx1"/>
+                </a:solidFill>
+                <a:latin typeface="+mn-lt"/>
+                <a:ea typeface="+mn-ea"/>
+                <a:cs typeface="+mn-cs"/>
+              </a:defRPr>
+            </a:lvl1pPr>
+            <a:lvl2pPr marL="457200" algn="l" defTabSz="914400" rtl="0" eaLnBrk="1" latinLnBrk="1" hangingPunct="1">
+              <a:defRPr sz="1800" kern="1200">
+                <a:solidFill>
+                  <a:schemeClr val="tx1"/>
+                </a:solidFill>
+                <a:latin typeface="+mn-lt"/>
+                <a:ea typeface="+mn-ea"/>
+                <a:cs typeface="+mn-cs"/>
+              </a:defRPr>
+            </a:lvl2pPr>
+            <a:lvl3pPr marL="914400" algn="l" defTabSz="914400" rtl="0" eaLnBrk="1" latinLnBrk="1" hangingPunct="1">
+              <a:defRPr sz="1800" kern="1200">
+                <a:solidFill>
+                  <a:schemeClr val="tx1"/>
+                </a:solidFill>
+                <a:latin typeface="+mn-lt"/>
+                <a:ea typeface="+mn-ea"/>
+                <a:cs typeface="+mn-cs"/>
+              </a:defRPr>
+            </a:lvl3pPr>
+            <a:lvl4pPr marL="1371600" algn="l" defTabSz="914400" rtl="0" eaLnBrk="1" latinLnBrk="1" hangingPunct="1">
+              <a:defRPr sz="1800" kern="1200">
+                <a:solidFill>
+                  <a:schemeClr val="tx1"/>
+                </a:solidFill>
+                <a:latin typeface="+mn-lt"/>
+                <a:ea typeface="+mn-ea"/>
+                <a:cs typeface="+mn-cs"/>
+              </a:defRPr>
+            </a:lvl4pPr>
+            <a:lvl5pPr marL="1828800" algn="l" defTabSz="914400" rtl="0" eaLnBrk="1" latinLnBrk="1" hangingPunct="1">
+              <a:defRPr sz="1800" kern="1200">
+                <a:solidFill>
+                  <a:schemeClr val="tx1"/>
+                </a:solidFill>
+                <a:latin typeface="+mn-lt"/>
+                <a:ea typeface="+mn-ea"/>
+                <a:cs typeface="+mn-cs"/>
+              </a:defRPr>
+            </a:lvl5pPr>
+            <a:lvl6pPr marL="2286000" algn="l" defTabSz="914400" rtl="0" eaLnBrk="1" latinLnBrk="1" hangingPunct="1">
+              <a:defRPr sz="1800" kern="1200">
+                <a:solidFill>
+                  <a:schemeClr val="tx1"/>
+                </a:solidFill>
+                <a:latin typeface="+mn-lt"/>
+                <a:ea typeface="+mn-ea"/>
+                <a:cs typeface="+mn-cs"/>
+              </a:defRPr>
+            </a:lvl6pPr>
+            <a:lvl7pPr marL="2743200" algn="l" defTabSz="914400" rtl="0" eaLnBrk="1" latinLnBrk="1" hangingPunct="1">
+              <a:defRPr sz="1800" kern="1200">
+                <a:solidFill>
+                  <a:schemeClr val="tx1"/>
+                </a:solidFill>
+                <a:latin typeface="+mn-lt"/>
+                <a:ea typeface="+mn-ea"/>
+                <a:cs typeface="+mn-cs"/>
+              </a:defRPr>
+            </a:lvl7pPr>
+            <a:lvl8pPr marL="3200400" algn="l" defTabSz="914400" rtl="0" eaLnBrk="1" latinLnBrk="1" hangingPunct="1">
+              <a:defRPr sz="1800" kern="1200">
+                <a:solidFill>
+                  <a:schemeClr val="tx1"/>
+                </a:solidFill>
+                <a:latin typeface="+mn-lt"/>
+                <a:ea typeface="+mn-ea"/>
+                <a:cs typeface="+mn-cs"/>
+              </a:defRPr>
+            </a:lvl8pPr>
+            <a:lvl9pPr marL="3657600" algn="l" defTabSz="914400" rtl="0" eaLnBrk="1" latinLnBrk="1" hangingPunct="1">
+              <a:defRPr sz="1800" kern="1200">
+                <a:solidFill>
+                  <a:schemeClr val="tx1"/>
+                </a:solidFill>
+                <a:latin typeface="+mn-lt"/>
+                <a:ea typeface="+mn-ea"/>
+                <a:cs typeface="+mn-cs"/>
+              </a:defRPr>
+            </a:lvl9pPr>
+          </a:lstStyle>
+          <a:p>
+            <a:r>
+              <a:rPr lang="en-US" altLang="ko-KR" sz="1400" b="1" dirty="0">
+                <a:solidFill>
+                  <a:schemeClr val="bg1"/>
+                </a:solidFill>
+              </a:rPr>
+              <a:t>P469</a:t>
+            </a:r>
+          </a:p>
+        </p:txBody>
+      </p:sp>
     </p:spTree>
     <p:extLst>
       <p:ext uri="{BB962C8B-B14F-4D97-AF65-F5344CB8AC3E}">
@@ -11876,6 +12940,139 @@
           </a:p>
         </p:txBody>
       </p:sp>
+      <p:sp>
+        <p:nvSpPr>
+          <p:cNvPr id="10" name="TextBox 9">
+            <a:extLst>
+              <a:ext uri="{FF2B5EF4-FFF2-40B4-BE49-F238E27FC236}">
+                <a16:creationId xmlns:a16="http://schemas.microsoft.com/office/drawing/2014/main" id="{815D69DC-ACC2-45F3-9E33-B9D4D69FEA66}"/>
+              </a:ext>
+            </a:extLst>
+          </p:cNvPr>
+          <p:cNvSpPr txBox="1"/>
+          <p:nvPr/>
+        </p:nvSpPr>
+        <p:spPr>
+          <a:xfrm>
+            <a:off x="10627840" y="410360"/>
+            <a:ext cx="607859" cy="307777"/>
+          </a:xfrm>
+          <a:prstGeom prst="rect">
+            <a:avLst/>
+          </a:prstGeom>
+          <a:noFill/>
+        </p:spPr>
+        <p:txBody>
+          <a:bodyPr wrap="none" rtlCol="0">
+            <a:spAutoFit/>
+          </a:bodyPr>
+          <a:lstStyle>
+            <a:defPPr>
+              <a:defRPr lang="ko-KR"/>
+            </a:defPPr>
+            <a:lvl1pPr marL="0" algn="l" defTabSz="914400" rtl="0" eaLnBrk="1" latinLnBrk="1" hangingPunct="1">
+              <a:defRPr sz="1800" kern="1200">
+                <a:solidFill>
+                  <a:schemeClr val="tx1"/>
+                </a:solidFill>
+                <a:latin typeface="+mn-lt"/>
+                <a:ea typeface="+mn-ea"/>
+                <a:cs typeface="+mn-cs"/>
+              </a:defRPr>
+            </a:lvl1pPr>
+            <a:lvl2pPr marL="457200" algn="l" defTabSz="914400" rtl="0" eaLnBrk="1" latinLnBrk="1" hangingPunct="1">
+              <a:defRPr sz="1800" kern="1200">
+                <a:solidFill>
+                  <a:schemeClr val="tx1"/>
+                </a:solidFill>
+                <a:latin typeface="+mn-lt"/>
+                <a:ea typeface="+mn-ea"/>
+                <a:cs typeface="+mn-cs"/>
+              </a:defRPr>
+            </a:lvl2pPr>
+            <a:lvl3pPr marL="914400" algn="l" defTabSz="914400" rtl="0" eaLnBrk="1" latinLnBrk="1" hangingPunct="1">
+              <a:defRPr sz="1800" kern="1200">
+                <a:solidFill>
+                  <a:schemeClr val="tx1"/>
+                </a:solidFill>
+                <a:latin typeface="+mn-lt"/>
+                <a:ea typeface="+mn-ea"/>
+                <a:cs typeface="+mn-cs"/>
+              </a:defRPr>
+            </a:lvl3pPr>
+            <a:lvl4pPr marL="1371600" algn="l" defTabSz="914400" rtl="0" eaLnBrk="1" latinLnBrk="1" hangingPunct="1">
+              <a:defRPr sz="1800" kern="1200">
+                <a:solidFill>
+                  <a:schemeClr val="tx1"/>
+                </a:solidFill>
+                <a:latin typeface="+mn-lt"/>
+                <a:ea typeface="+mn-ea"/>
+                <a:cs typeface="+mn-cs"/>
+              </a:defRPr>
+            </a:lvl4pPr>
+            <a:lvl5pPr marL="1828800" algn="l" defTabSz="914400" rtl="0" eaLnBrk="1" latinLnBrk="1" hangingPunct="1">
+              <a:defRPr sz="1800" kern="1200">
+                <a:solidFill>
+                  <a:schemeClr val="tx1"/>
+                </a:solidFill>
+                <a:latin typeface="+mn-lt"/>
+                <a:ea typeface="+mn-ea"/>
+                <a:cs typeface="+mn-cs"/>
+              </a:defRPr>
+            </a:lvl5pPr>
+            <a:lvl6pPr marL="2286000" algn="l" defTabSz="914400" rtl="0" eaLnBrk="1" latinLnBrk="1" hangingPunct="1">
+              <a:defRPr sz="1800" kern="1200">
+                <a:solidFill>
+                  <a:schemeClr val="tx1"/>
+                </a:solidFill>
+                <a:latin typeface="+mn-lt"/>
+                <a:ea typeface="+mn-ea"/>
+                <a:cs typeface="+mn-cs"/>
+              </a:defRPr>
+            </a:lvl6pPr>
+            <a:lvl7pPr marL="2743200" algn="l" defTabSz="914400" rtl="0" eaLnBrk="1" latinLnBrk="1" hangingPunct="1">
+              <a:defRPr sz="1800" kern="1200">
+                <a:solidFill>
+                  <a:schemeClr val="tx1"/>
+                </a:solidFill>
+                <a:latin typeface="+mn-lt"/>
+                <a:ea typeface="+mn-ea"/>
+                <a:cs typeface="+mn-cs"/>
+              </a:defRPr>
+            </a:lvl7pPr>
+            <a:lvl8pPr marL="3200400" algn="l" defTabSz="914400" rtl="0" eaLnBrk="1" latinLnBrk="1" hangingPunct="1">
+              <a:defRPr sz="1800" kern="1200">
+                <a:solidFill>
+                  <a:schemeClr val="tx1"/>
+                </a:solidFill>
+                <a:latin typeface="+mn-lt"/>
+                <a:ea typeface="+mn-ea"/>
+                <a:cs typeface="+mn-cs"/>
+              </a:defRPr>
+            </a:lvl8pPr>
+            <a:lvl9pPr marL="3657600" algn="l" defTabSz="914400" rtl="0" eaLnBrk="1" latinLnBrk="1" hangingPunct="1">
+              <a:defRPr sz="1800" kern="1200">
+                <a:solidFill>
+                  <a:schemeClr val="tx1"/>
+                </a:solidFill>
+                <a:latin typeface="+mn-lt"/>
+                <a:ea typeface="+mn-ea"/>
+                <a:cs typeface="+mn-cs"/>
+              </a:defRPr>
+            </a:lvl9pPr>
+          </a:lstStyle>
+          <a:p>
+            <a:r>
+              <a:rPr lang="en-US" altLang="ko-KR" sz="1400" b="1" dirty="0">
+                <a:solidFill>
+                  <a:schemeClr val="bg1"/>
+                </a:solidFill>
+              </a:rPr>
+              <a:t>P475</a:t>
+            </a:r>
+          </a:p>
+        </p:txBody>
+      </p:sp>
     </p:spTree>
     <p:extLst>
       <p:ext uri="{BB962C8B-B14F-4D97-AF65-F5344CB8AC3E}">
@@ -13250,6 +14447,139 @@
           </a:prstGeom>
         </p:spPr>
       </p:pic>
+      <p:sp>
+        <p:nvSpPr>
+          <p:cNvPr id="8" name="TextBox 7">
+            <a:extLst>
+              <a:ext uri="{FF2B5EF4-FFF2-40B4-BE49-F238E27FC236}">
+                <a16:creationId xmlns:a16="http://schemas.microsoft.com/office/drawing/2014/main" id="{F10CE75E-5BF5-48CB-A4AF-B720D967D5A1}"/>
+              </a:ext>
+            </a:extLst>
+          </p:cNvPr>
+          <p:cNvSpPr txBox="1"/>
+          <p:nvPr/>
+        </p:nvSpPr>
+        <p:spPr>
+          <a:xfrm>
+            <a:off x="10627840" y="410360"/>
+            <a:ext cx="607859" cy="307777"/>
+          </a:xfrm>
+          <a:prstGeom prst="rect">
+            <a:avLst/>
+          </a:prstGeom>
+          <a:noFill/>
+        </p:spPr>
+        <p:txBody>
+          <a:bodyPr wrap="none" rtlCol="0">
+            <a:spAutoFit/>
+          </a:bodyPr>
+          <a:lstStyle>
+            <a:defPPr>
+              <a:defRPr lang="ko-KR"/>
+            </a:defPPr>
+            <a:lvl1pPr marL="0" algn="l" defTabSz="914400" rtl="0" eaLnBrk="1" latinLnBrk="1" hangingPunct="1">
+              <a:defRPr sz="1800" kern="1200">
+                <a:solidFill>
+                  <a:schemeClr val="tx1"/>
+                </a:solidFill>
+                <a:latin typeface="+mn-lt"/>
+                <a:ea typeface="+mn-ea"/>
+                <a:cs typeface="+mn-cs"/>
+              </a:defRPr>
+            </a:lvl1pPr>
+            <a:lvl2pPr marL="457200" algn="l" defTabSz="914400" rtl="0" eaLnBrk="1" latinLnBrk="1" hangingPunct="1">
+              <a:defRPr sz="1800" kern="1200">
+                <a:solidFill>
+                  <a:schemeClr val="tx1"/>
+                </a:solidFill>
+                <a:latin typeface="+mn-lt"/>
+                <a:ea typeface="+mn-ea"/>
+                <a:cs typeface="+mn-cs"/>
+              </a:defRPr>
+            </a:lvl2pPr>
+            <a:lvl3pPr marL="914400" algn="l" defTabSz="914400" rtl="0" eaLnBrk="1" latinLnBrk="1" hangingPunct="1">
+              <a:defRPr sz="1800" kern="1200">
+                <a:solidFill>
+                  <a:schemeClr val="tx1"/>
+                </a:solidFill>
+                <a:latin typeface="+mn-lt"/>
+                <a:ea typeface="+mn-ea"/>
+                <a:cs typeface="+mn-cs"/>
+              </a:defRPr>
+            </a:lvl3pPr>
+            <a:lvl4pPr marL="1371600" algn="l" defTabSz="914400" rtl="0" eaLnBrk="1" latinLnBrk="1" hangingPunct="1">
+              <a:defRPr sz="1800" kern="1200">
+                <a:solidFill>
+                  <a:schemeClr val="tx1"/>
+                </a:solidFill>
+                <a:latin typeface="+mn-lt"/>
+                <a:ea typeface="+mn-ea"/>
+                <a:cs typeface="+mn-cs"/>
+              </a:defRPr>
+            </a:lvl4pPr>
+            <a:lvl5pPr marL="1828800" algn="l" defTabSz="914400" rtl="0" eaLnBrk="1" latinLnBrk="1" hangingPunct="1">
+              <a:defRPr sz="1800" kern="1200">
+                <a:solidFill>
+                  <a:schemeClr val="tx1"/>
+                </a:solidFill>
+                <a:latin typeface="+mn-lt"/>
+                <a:ea typeface="+mn-ea"/>
+                <a:cs typeface="+mn-cs"/>
+              </a:defRPr>
+            </a:lvl5pPr>
+            <a:lvl6pPr marL="2286000" algn="l" defTabSz="914400" rtl="0" eaLnBrk="1" latinLnBrk="1" hangingPunct="1">
+              <a:defRPr sz="1800" kern="1200">
+                <a:solidFill>
+                  <a:schemeClr val="tx1"/>
+                </a:solidFill>
+                <a:latin typeface="+mn-lt"/>
+                <a:ea typeface="+mn-ea"/>
+                <a:cs typeface="+mn-cs"/>
+              </a:defRPr>
+            </a:lvl6pPr>
+            <a:lvl7pPr marL="2743200" algn="l" defTabSz="914400" rtl="0" eaLnBrk="1" latinLnBrk="1" hangingPunct="1">
+              <a:defRPr sz="1800" kern="1200">
+                <a:solidFill>
+                  <a:schemeClr val="tx1"/>
+                </a:solidFill>
+                <a:latin typeface="+mn-lt"/>
+                <a:ea typeface="+mn-ea"/>
+                <a:cs typeface="+mn-cs"/>
+              </a:defRPr>
+            </a:lvl7pPr>
+            <a:lvl8pPr marL="3200400" algn="l" defTabSz="914400" rtl="0" eaLnBrk="1" latinLnBrk="1" hangingPunct="1">
+              <a:defRPr sz="1800" kern="1200">
+                <a:solidFill>
+                  <a:schemeClr val="tx1"/>
+                </a:solidFill>
+                <a:latin typeface="+mn-lt"/>
+                <a:ea typeface="+mn-ea"/>
+                <a:cs typeface="+mn-cs"/>
+              </a:defRPr>
+            </a:lvl8pPr>
+            <a:lvl9pPr marL="3657600" algn="l" defTabSz="914400" rtl="0" eaLnBrk="1" latinLnBrk="1" hangingPunct="1">
+              <a:defRPr sz="1800" kern="1200">
+                <a:solidFill>
+                  <a:schemeClr val="tx1"/>
+                </a:solidFill>
+                <a:latin typeface="+mn-lt"/>
+                <a:ea typeface="+mn-ea"/>
+                <a:cs typeface="+mn-cs"/>
+              </a:defRPr>
+            </a:lvl9pPr>
+          </a:lstStyle>
+          <a:p>
+            <a:r>
+              <a:rPr lang="en-US" altLang="ko-KR" sz="1400" b="1" dirty="0">
+                <a:solidFill>
+                  <a:schemeClr val="bg1"/>
+                </a:solidFill>
+              </a:rPr>
+              <a:t>P476</a:t>
+            </a:r>
+          </a:p>
+        </p:txBody>
+      </p:sp>
     </p:spTree>
     <p:extLst>
       <p:ext uri="{BB962C8B-B14F-4D97-AF65-F5344CB8AC3E}">
@@ -13659,6 +14989,139 @@
           </a:prstGeom>
         </p:spPr>
       </p:pic>
+      <p:sp>
+        <p:nvSpPr>
+          <p:cNvPr id="14" name="TextBox 13">
+            <a:extLst>
+              <a:ext uri="{FF2B5EF4-FFF2-40B4-BE49-F238E27FC236}">
+                <a16:creationId xmlns:a16="http://schemas.microsoft.com/office/drawing/2014/main" id="{4606736D-7D5C-4722-A5EF-8AC0E781D132}"/>
+              </a:ext>
+            </a:extLst>
+          </p:cNvPr>
+          <p:cNvSpPr txBox="1"/>
+          <p:nvPr/>
+        </p:nvSpPr>
+        <p:spPr>
+          <a:xfrm>
+            <a:off x="10627840" y="410360"/>
+            <a:ext cx="607859" cy="307777"/>
+          </a:xfrm>
+          <a:prstGeom prst="rect">
+            <a:avLst/>
+          </a:prstGeom>
+          <a:noFill/>
+        </p:spPr>
+        <p:txBody>
+          <a:bodyPr wrap="none" rtlCol="0">
+            <a:spAutoFit/>
+          </a:bodyPr>
+          <a:lstStyle>
+            <a:defPPr>
+              <a:defRPr lang="ko-KR"/>
+            </a:defPPr>
+            <a:lvl1pPr marL="0" algn="l" defTabSz="914400" rtl="0" eaLnBrk="1" latinLnBrk="1" hangingPunct="1">
+              <a:defRPr sz="1800" kern="1200">
+                <a:solidFill>
+                  <a:schemeClr val="tx1"/>
+                </a:solidFill>
+                <a:latin typeface="+mn-lt"/>
+                <a:ea typeface="+mn-ea"/>
+                <a:cs typeface="+mn-cs"/>
+              </a:defRPr>
+            </a:lvl1pPr>
+            <a:lvl2pPr marL="457200" algn="l" defTabSz="914400" rtl="0" eaLnBrk="1" latinLnBrk="1" hangingPunct="1">
+              <a:defRPr sz="1800" kern="1200">
+                <a:solidFill>
+                  <a:schemeClr val="tx1"/>
+                </a:solidFill>
+                <a:latin typeface="+mn-lt"/>
+                <a:ea typeface="+mn-ea"/>
+                <a:cs typeface="+mn-cs"/>
+              </a:defRPr>
+            </a:lvl2pPr>
+            <a:lvl3pPr marL="914400" algn="l" defTabSz="914400" rtl="0" eaLnBrk="1" latinLnBrk="1" hangingPunct="1">
+              <a:defRPr sz="1800" kern="1200">
+                <a:solidFill>
+                  <a:schemeClr val="tx1"/>
+                </a:solidFill>
+                <a:latin typeface="+mn-lt"/>
+                <a:ea typeface="+mn-ea"/>
+                <a:cs typeface="+mn-cs"/>
+              </a:defRPr>
+            </a:lvl3pPr>
+            <a:lvl4pPr marL="1371600" algn="l" defTabSz="914400" rtl="0" eaLnBrk="1" latinLnBrk="1" hangingPunct="1">
+              <a:defRPr sz="1800" kern="1200">
+                <a:solidFill>
+                  <a:schemeClr val="tx1"/>
+                </a:solidFill>
+                <a:latin typeface="+mn-lt"/>
+                <a:ea typeface="+mn-ea"/>
+                <a:cs typeface="+mn-cs"/>
+              </a:defRPr>
+            </a:lvl4pPr>
+            <a:lvl5pPr marL="1828800" algn="l" defTabSz="914400" rtl="0" eaLnBrk="1" latinLnBrk="1" hangingPunct="1">
+              <a:defRPr sz="1800" kern="1200">
+                <a:solidFill>
+                  <a:schemeClr val="tx1"/>
+                </a:solidFill>
+                <a:latin typeface="+mn-lt"/>
+                <a:ea typeface="+mn-ea"/>
+                <a:cs typeface="+mn-cs"/>
+              </a:defRPr>
+            </a:lvl5pPr>
+            <a:lvl6pPr marL="2286000" algn="l" defTabSz="914400" rtl="0" eaLnBrk="1" latinLnBrk="1" hangingPunct="1">
+              <a:defRPr sz="1800" kern="1200">
+                <a:solidFill>
+                  <a:schemeClr val="tx1"/>
+                </a:solidFill>
+                <a:latin typeface="+mn-lt"/>
+                <a:ea typeface="+mn-ea"/>
+                <a:cs typeface="+mn-cs"/>
+              </a:defRPr>
+            </a:lvl6pPr>
+            <a:lvl7pPr marL="2743200" algn="l" defTabSz="914400" rtl="0" eaLnBrk="1" latinLnBrk="1" hangingPunct="1">
+              <a:defRPr sz="1800" kern="1200">
+                <a:solidFill>
+                  <a:schemeClr val="tx1"/>
+                </a:solidFill>
+                <a:latin typeface="+mn-lt"/>
+                <a:ea typeface="+mn-ea"/>
+                <a:cs typeface="+mn-cs"/>
+              </a:defRPr>
+            </a:lvl7pPr>
+            <a:lvl8pPr marL="3200400" algn="l" defTabSz="914400" rtl="0" eaLnBrk="1" latinLnBrk="1" hangingPunct="1">
+              <a:defRPr sz="1800" kern="1200">
+                <a:solidFill>
+                  <a:schemeClr val="tx1"/>
+                </a:solidFill>
+                <a:latin typeface="+mn-lt"/>
+                <a:ea typeface="+mn-ea"/>
+                <a:cs typeface="+mn-cs"/>
+              </a:defRPr>
+            </a:lvl8pPr>
+            <a:lvl9pPr marL="3657600" algn="l" defTabSz="914400" rtl="0" eaLnBrk="1" latinLnBrk="1" hangingPunct="1">
+              <a:defRPr sz="1800" kern="1200">
+                <a:solidFill>
+                  <a:schemeClr val="tx1"/>
+                </a:solidFill>
+                <a:latin typeface="+mn-lt"/>
+                <a:ea typeface="+mn-ea"/>
+                <a:cs typeface="+mn-cs"/>
+              </a:defRPr>
+            </a:lvl9pPr>
+          </a:lstStyle>
+          <a:p>
+            <a:r>
+              <a:rPr lang="en-US" altLang="ko-KR" sz="1400" b="1" dirty="0">
+                <a:solidFill>
+                  <a:schemeClr val="bg1"/>
+                </a:solidFill>
+              </a:rPr>
+              <a:t>P449</a:t>
+            </a:r>
+          </a:p>
+        </p:txBody>
+      </p:sp>
     </p:spTree>
     <p:extLst>
       <p:ext uri="{BB962C8B-B14F-4D97-AF65-F5344CB8AC3E}">
@@ -14211,6 +15674,139 @@
           </a:prstGeom>
         </p:spPr>
       </p:pic>
+      <p:sp>
+        <p:nvSpPr>
+          <p:cNvPr id="21" name="TextBox 20">
+            <a:extLst>
+              <a:ext uri="{FF2B5EF4-FFF2-40B4-BE49-F238E27FC236}">
+                <a16:creationId xmlns:a16="http://schemas.microsoft.com/office/drawing/2014/main" id="{0155E862-E5E3-46A5-964F-E8EE38B55AE0}"/>
+              </a:ext>
+            </a:extLst>
+          </p:cNvPr>
+          <p:cNvSpPr txBox="1"/>
+          <p:nvPr/>
+        </p:nvSpPr>
+        <p:spPr>
+          <a:xfrm>
+            <a:off x="10627840" y="410360"/>
+            <a:ext cx="607859" cy="307777"/>
+          </a:xfrm>
+          <a:prstGeom prst="rect">
+            <a:avLst/>
+          </a:prstGeom>
+          <a:noFill/>
+        </p:spPr>
+        <p:txBody>
+          <a:bodyPr wrap="none" rtlCol="0">
+            <a:spAutoFit/>
+          </a:bodyPr>
+          <a:lstStyle>
+            <a:defPPr>
+              <a:defRPr lang="ko-KR"/>
+            </a:defPPr>
+            <a:lvl1pPr marL="0" algn="l" defTabSz="914400" rtl="0" eaLnBrk="1" latinLnBrk="1" hangingPunct="1">
+              <a:defRPr sz="1800" kern="1200">
+                <a:solidFill>
+                  <a:schemeClr val="tx1"/>
+                </a:solidFill>
+                <a:latin typeface="+mn-lt"/>
+                <a:ea typeface="+mn-ea"/>
+                <a:cs typeface="+mn-cs"/>
+              </a:defRPr>
+            </a:lvl1pPr>
+            <a:lvl2pPr marL="457200" algn="l" defTabSz="914400" rtl="0" eaLnBrk="1" latinLnBrk="1" hangingPunct="1">
+              <a:defRPr sz="1800" kern="1200">
+                <a:solidFill>
+                  <a:schemeClr val="tx1"/>
+                </a:solidFill>
+                <a:latin typeface="+mn-lt"/>
+                <a:ea typeface="+mn-ea"/>
+                <a:cs typeface="+mn-cs"/>
+              </a:defRPr>
+            </a:lvl2pPr>
+            <a:lvl3pPr marL="914400" algn="l" defTabSz="914400" rtl="0" eaLnBrk="1" latinLnBrk="1" hangingPunct="1">
+              <a:defRPr sz="1800" kern="1200">
+                <a:solidFill>
+                  <a:schemeClr val="tx1"/>
+                </a:solidFill>
+                <a:latin typeface="+mn-lt"/>
+                <a:ea typeface="+mn-ea"/>
+                <a:cs typeface="+mn-cs"/>
+              </a:defRPr>
+            </a:lvl3pPr>
+            <a:lvl4pPr marL="1371600" algn="l" defTabSz="914400" rtl="0" eaLnBrk="1" latinLnBrk="1" hangingPunct="1">
+              <a:defRPr sz="1800" kern="1200">
+                <a:solidFill>
+                  <a:schemeClr val="tx1"/>
+                </a:solidFill>
+                <a:latin typeface="+mn-lt"/>
+                <a:ea typeface="+mn-ea"/>
+                <a:cs typeface="+mn-cs"/>
+              </a:defRPr>
+            </a:lvl4pPr>
+            <a:lvl5pPr marL="1828800" algn="l" defTabSz="914400" rtl="0" eaLnBrk="1" latinLnBrk="1" hangingPunct="1">
+              <a:defRPr sz="1800" kern="1200">
+                <a:solidFill>
+                  <a:schemeClr val="tx1"/>
+                </a:solidFill>
+                <a:latin typeface="+mn-lt"/>
+                <a:ea typeface="+mn-ea"/>
+                <a:cs typeface="+mn-cs"/>
+              </a:defRPr>
+            </a:lvl5pPr>
+            <a:lvl6pPr marL="2286000" algn="l" defTabSz="914400" rtl="0" eaLnBrk="1" latinLnBrk="1" hangingPunct="1">
+              <a:defRPr sz="1800" kern="1200">
+                <a:solidFill>
+                  <a:schemeClr val="tx1"/>
+                </a:solidFill>
+                <a:latin typeface="+mn-lt"/>
+                <a:ea typeface="+mn-ea"/>
+                <a:cs typeface="+mn-cs"/>
+              </a:defRPr>
+            </a:lvl6pPr>
+            <a:lvl7pPr marL="2743200" algn="l" defTabSz="914400" rtl="0" eaLnBrk="1" latinLnBrk="1" hangingPunct="1">
+              <a:defRPr sz="1800" kern="1200">
+                <a:solidFill>
+                  <a:schemeClr val="tx1"/>
+                </a:solidFill>
+                <a:latin typeface="+mn-lt"/>
+                <a:ea typeface="+mn-ea"/>
+                <a:cs typeface="+mn-cs"/>
+              </a:defRPr>
+            </a:lvl7pPr>
+            <a:lvl8pPr marL="3200400" algn="l" defTabSz="914400" rtl="0" eaLnBrk="1" latinLnBrk="1" hangingPunct="1">
+              <a:defRPr sz="1800" kern="1200">
+                <a:solidFill>
+                  <a:schemeClr val="tx1"/>
+                </a:solidFill>
+                <a:latin typeface="+mn-lt"/>
+                <a:ea typeface="+mn-ea"/>
+                <a:cs typeface="+mn-cs"/>
+              </a:defRPr>
+            </a:lvl8pPr>
+            <a:lvl9pPr marL="3657600" algn="l" defTabSz="914400" rtl="0" eaLnBrk="1" latinLnBrk="1" hangingPunct="1">
+              <a:defRPr sz="1800" kern="1200">
+                <a:solidFill>
+                  <a:schemeClr val="tx1"/>
+                </a:solidFill>
+                <a:latin typeface="+mn-lt"/>
+                <a:ea typeface="+mn-ea"/>
+                <a:cs typeface="+mn-cs"/>
+              </a:defRPr>
+            </a:lvl9pPr>
+          </a:lstStyle>
+          <a:p>
+            <a:r>
+              <a:rPr lang="en-US" altLang="ko-KR" sz="1400" b="1" dirty="0">
+                <a:solidFill>
+                  <a:schemeClr val="bg1"/>
+                </a:solidFill>
+              </a:rPr>
+              <a:t>P477</a:t>
+            </a:r>
+          </a:p>
+        </p:txBody>
+      </p:sp>
     </p:spTree>
     <p:extLst>
       <p:ext uri="{BB962C8B-B14F-4D97-AF65-F5344CB8AC3E}">
@@ -15274,6 +16870,139 @@
           </a:prstGeom>
         </p:spPr>
       </p:pic>
+      <p:sp>
+        <p:nvSpPr>
+          <p:cNvPr id="10" name="TextBox 9">
+            <a:extLst>
+              <a:ext uri="{FF2B5EF4-FFF2-40B4-BE49-F238E27FC236}">
+                <a16:creationId xmlns:a16="http://schemas.microsoft.com/office/drawing/2014/main" id="{E98FE573-7193-47AF-9B86-44D7FFF3C8A5}"/>
+              </a:ext>
+            </a:extLst>
+          </p:cNvPr>
+          <p:cNvSpPr txBox="1"/>
+          <p:nvPr/>
+        </p:nvSpPr>
+        <p:spPr>
+          <a:xfrm>
+            <a:off x="10627840" y="410360"/>
+            <a:ext cx="607859" cy="307777"/>
+          </a:xfrm>
+          <a:prstGeom prst="rect">
+            <a:avLst/>
+          </a:prstGeom>
+          <a:noFill/>
+        </p:spPr>
+        <p:txBody>
+          <a:bodyPr wrap="none" rtlCol="0">
+            <a:spAutoFit/>
+          </a:bodyPr>
+          <a:lstStyle>
+            <a:defPPr>
+              <a:defRPr lang="ko-KR"/>
+            </a:defPPr>
+            <a:lvl1pPr marL="0" algn="l" defTabSz="914400" rtl="0" eaLnBrk="1" latinLnBrk="1" hangingPunct="1">
+              <a:defRPr sz="1800" kern="1200">
+                <a:solidFill>
+                  <a:schemeClr val="tx1"/>
+                </a:solidFill>
+                <a:latin typeface="+mn-lt"/>
+                <a:ea typeface="+mn-ea"/>
+                <a:cs typeface="+mn-cs"/>
+              </a:defRPr>
+            </a:lvl1pPr>
+            <a:lvl2pPr marL="457200" algn="l" defTabSz="914400" rtl="0" eaLnBrk="1" latinLnBrk="1" hangingPunct="1">
+              <a:defRPr sz="1800" kern="1200">
+                <a:solidFill>
+                  <a:schemeClr val="tx1"/>
+                </a:solidFill>
+                <a:latin typeface="+mn-lt"/>
+                <a:ea typeface="+mn-ea"/>
+                <a:cs typeface="+mn-cs"/>
+              </a:defRPr>
+            </a:lvl2pPr>
+            <a:lvl3pPr marL="914400" algn="l" defTabSz="914400" rtl="0" eaLnBrk="1" latinLnBrk="1" hangingPunct="1">
+              <a:defRPr sz="1800" kern="1200">
+                <a:solidFill>
+                  <a:schemeClr val="tx1"/>
+                </a:solidFill>
+                <a:latin typeface="+mn-lt"/>
+                <a:ea typeface="+mn-ea"/>
+                <a:cs typeface="+mn-cs"/>
+              </a:defRPr>
+            </a:lvl3pPr>
+            <a:lvl4pPr marL="1371600" algn="l" defTabSz="914400" rtl="0" eaLnBrk="1" latinLnBrk="1" hangingPunct="1">
+              <a:defRPr sz="1800" kern="1200">
+                <a:solidFill>
+                  <a:schemeClr val="tx1"/>
+                </a:solidFill>
+                <a:latin typeface="+mn-lt"/>
+                <a:ea typeface="+mn-ea"/>
+                <a:cs typeface="+mn-cs"/>
+              </a:defRPr>
+            </a:lvl4pPr>
+            <a:lvl5pPr marL="1828800" algn="l" defTabSz="914400" rtl="0" eaLnBrk="1" latinLnBrk="1" hangingPunct="1">
+              <a:defRPr sz="1800" kern="1200">
+                <a:solidFill>
+                  <a:schemeClr val="tx1"/>
+                </a:solidFill>
+                <a:latin typeface="+mn-lt"/>
+                <a:ea typeface="+mn-ea"/>
+                <a:cs typeface="+mn-cs"/>
+              </a:defRPr>
+            </a:lvl5pPr>
+            <a:lvl6pPr marL="2286000" algn="l" defTabSz="914400" rtl="0" eaLnBrk="1" latinLnBrk="1" hangingPunct="1">
+              <a:defRPr sz="1800" kern="1200">
+                <a:solidFill>
+                  <a:schemeClr val="tx1"/>
+                </a:solidFill>
+                <a:latin typeface="+mn-lt"/>
+                <a:ea typeface="+mn-ea"/>
+                <a:cs typeface="+mn-cs"/>
+              </a:defRPr>
+            </a:lvl6pPr>
+            <a:lvl7pPr marL="2743200" algn="l" defTabSz="914400" rtl="0" eaLnBrk="1" latinLnBrk="1" hangingPunct="1">
+              <a:defRPr sz="1800" kern="1200">
+                <a:solidFill>
+                  <a:schemeClr val="tx1"/>
+                </a:solidFill>
+                <a:latin typeface="+mn-lt"/>
+                <a:ea typeface="+mn-ea"/>
+                <a:cs typeface="+mn-cs"/>
+              </a:defRPr>
+            </a:lvl7pPr>
+            <a:lvl8pPr marL="3200400" algn="l" defTabSz="914400" rtl="0" eaLnBrk="1" latinLnBrk="1" hangingPunct="1">
+              <a:defRPr sz="1800" kern="1200">
+                <a:solidFill>
+                  <a:schemeClr val="tx1"/>
+                </a:solidFill>
+                <a:latin typeface="+mn-lt"/>
+                <a:ea typeface="+mn-ea"/>
+                <a:cs typeface="+mn-cs"/>
+              </a:defRPr>
+            </a:lvl8pPr>
+            <a:lvl9pPr marL="3657600" algn="l" defTabSz="914400" rtl="0" eaLnBrk="1" latinLnBrk="1" hangingPunct="1">
+              <a:defRPr sz="1800" kern="1200">
+                <a:solidFill>
+                  <a:schemeClr val="tx1"/>
+                </a:solidFill>
+                <a:latin typeface="+mn-lt"/>
+                <a:ea typeface="+mn-ea"/>
+                <a:cs typeface="+mn-cs"/>
+              </a:defRPr>
+            </a:lvl9pPr>
+          </a:lstStyle>
+          <a:p>
+            <a:r>
+              <a:rPr lang="en-US" altLang="ko-KR" sz="1400" b="1" dirty="0">
+                <a:solidFill>
+                  <a:schemeClr val="bg1"/>
+                </a:solidFill>
+              </a:rPr>
+              <a:t>P480</a:t>
+            </a:r>
+          </a:p>
+        </p:txBody>
+      </p:sp>
     </p:spTree>
     <p:extLst>
       <p:ext uri="{BB962C8B-B14F-4D97-AF65-F5344CB8AC3E}">
@@ -15543,6 +17272,139 @@
           </a:p>
         </p:txBody>
       </p:sp>
+      <p:sp>
+        <p:nvSpPr>
+          <p:cNvPr id="10" name="TextBox 9">
+            <a:extLst>
+              <a:ext uri="{FF2B5EF4-FFF2-40B4-BE49-F238E27FC236}">
+                <a16:creationId xmlns:a16="http://schemas.microsoft.com/office/drawing/2014/main" id="{4F4C499A-9CFE-4A76-9F50-706CDAE29EEB}"/>
+              </a:ext>
+            </a:extLst>
+          </p:cNvPr>
+          <p:cNvSpPr txBox="1"/>
+          <p:nvPr/>
+        </p:nvSpPr>
+        <p:spPr>
+          <a:xfrm>
+            <a:off x="10627840" y="410360"/>
+            <a:ext cx="607859" cy="307777"/>
+          </a:xfrm>
+          <a:prstGeom prst="rect">
+            <a:avLst/>
+          </a:prstGeom>
+          <a:noFill/>
+        </p:spPr>
+        <p:txBody>
+          <a:bodyPr wrap="none" rtlCol="0">
+            <a:spAutoFit/>
+          </a:bodyPr>
+          <a:lstStyle>
+            <a:defPPr>
+              <a:defRPr lang="ko-KR"/>
+            </a:defPPr>
+            <a:lvl1pPr marL="0" algn="l" defTabSz="914400" rtl="0" eaLnBrk="1" latinLnBrk="1" hangingPunct="1">
+              <a:defRPr sz="1800" kern="1200">
+                <a:solidFill>
+                  <a:schemeClr val="tx1"/>
+                </a:solidFill>
+                <a:latin typeface="+mn-lt"/>
+                <a:ea typeface="+mn-ea"/>
+                <a:cs typeface="+mn-cs"/>
+              </a:defRPr>
+            </a:lvl1pPr>
+            <a:lvl2pPr marL="457200" algn="l" defTabSz="914400" rtl="0" eaLnBrk="1" latinLnBrk="1" hangingPunct="1">
+              <a:defRPr sz="1800" kern="1200">
+                <a:solidFill>
+                  <a:schemeClr val="tx1"/>
+                </a:solidFill>
+                <a:latin typeface="+mn-lt"/>
+                <a:ea typeface="+mn-ea"/>
+                <a:cs typeface="+mn-cs"/>
+              </a:defRPr>
+            </a:lvl2pPr>
+            <a:lvl3pPr marL="914400" algn="l" defTabSz="914400" rtl="0" eaLnBrk="1" latinLnBrk="1" hangingPunct="1">
+              <a:defRPr sz="1800" kern="1200">
+                <a:solidFill>
+                  <a:schemeClr val="tx1"/>
+                </a:solidFill>
+                <a:latin typeface="+mn-lt"/>
+                <a:ea typeface="+mn-ea"/>
+                <a:cs typeface="+mn-cs"/>
+              </a:defRPr>
+            </a:lvl3pPr>
+            <a:lvl4pPr marL="1371600" algn="l" defTabSz="914400" rtl="0" eaLnBrk="1" latinLnBrk="1" hangingPunct="1">
+              <a:defRPr sz="1800" kern="1200">
+                <a:solidFill>
+                  <a:schemeClr val="tx1"/>
+                </a:solidFill>
+                <a:latin typeface="+mn-lt"/>
+                <a:ea typeface="+mn-ea"/>
+                <a:cs typeface="+mn-cs"/>
+              </a:defRPr>
+            </a:lvl4pPr>
+            <a:lvl5pPr marL="1828800" algn="l" defTabSz="914400" rtl="0" eaLnBrk="1" latinLnBrk="1" hangingPunct="1">
+              <a:defRPr sz="1800" kern="1200">
+                <a:solidFill>
+                  <a:schemeClr val="tx1"/>
+                </a:solidFill>
+                <a:latin typeface="+mn-lt"/>
+                <a:ea typeface="+mn-ea"/>
+                <a:cs typeface="+mn-cs"/>
+              </a:defRPr>
+            </a:lvl5pPr>
+            <a:lvl6pPr marL="2286000" algn="l" defTabSz="914400" rtl="0" eaLnBrk="1" latinLnBrk="1" hangingPunct="1">
+              <a:defRPr sz="1800" kern="1200">
+                <a:solidFill>
+                  <a:schemeClr val="tx1"/>
+                </a:solidFill>
+                <a:latin typeface="+mn-lt"/>
+                <a:ea typeface="+mn-ea"/>
+                <a:cs typeface="+mn-cs"/>
+              </a:defRPr>
+            </a:lvl6pPr>
+            <a:lvl7pPr marL="2743200" algn="l" defTabSz="914400" rtl="0" eaLnBrk="1" latinLnBrk="1" hangingPunct="1">
+              <a:defRPr sz="1800" kern="1200">
+                <a:solidFill>
+                  <a:schemeClr val="tx1"/>
+                </a:solidFill>
+                <a:latin typeface="+mn-lt"/>
+                <a:ea typeface="+mn-ea"/>
+                <a:cs typeface="+mn-cs"/>
+              </a:defRPr>
+            </a:lvl7pPr>
+            <a:lvl8pPr marL="3200400" algn="l" defTabSz="914400" rtl="0" eaLnBrk="1" latinLnBrk="1" hangingPunct="1">
+              <a:defRPr sz="1800" kern="1200">
+                <a:solidFill>
+                  <a:schemeClr val="tx1"/>
+                </a:solidFill>
+                <a:latin typeface="+mn-lt"/>
+                <a:ea typeface="+mn-ea"/>
+                <a:cs typeface="+mn-cs"/>
+              </a:defRPr>
+            </a:lvl8pPr>
+            <a:lvl9pPr marL="3657600" algn="l" defTabSz="914400" rtl="0" eaLnBrk="1" latinLnBrk="1" hangingPunct="1">
+              <a:defRPr sz="1800" kern="1200">
+                <a:solidFill>
+                  <a:schemeClr val="tx1"/>
+                </a:solidFill>
+                <a:latin typeface="+mn-lt"/>
+                <a:ea typeface="+mn-ea"/>
+                <a:cs typeface="+mn-cs"/>
+              </a:defRPr>
+            </a:lvl9pPr>
+          </a:lstStyle>
+          <a:p>
+            <a:r>
+              <a:rPr lang="en-US" altLang="ko-KR" sz="1400" b="1" dirty="0">
+                <a:solidFill>
+                  <a:schemeClr val="bg1"/>
+                </a:solidFill>
+              </a:rPr>
+              <a:t>P450</a:t>
+            </a:r>
+          </a:p>
+        </p:txBody>
+      </p:sp>
     </p:spTree>
     <p:extLst>
       <p:ext uri="{BB962C8B-B14F-4D97-AF65-F5344CB8AC3E}">
@@ -16895,6 +18757,139 @@
             <a:endParaRPr lang="ko-KR" altLang="en-US" sz="1200">
               <a:latin typeface="+mn-ea"/>
             </a:endParaRPr>
+          </a:p>
+        </p:txBody>
+      </p:sp>
+      <p:sp>
+        <p:nvSpPr>
+          <p:cNvPr id="12" name="TextBox 11">
+            <a:extLst>
+              <a:ext uri="{FF2B5EF4-FFF2-40B4-BE49-F238E27FC236}">
+                <a16:creationId xmlns:a16="http://schemas.microsoft.com/office/drawing/2014/main" id="{48A798EF-14B6-4FF0-AC14-A8F828192DBF}"/>
+              </a:ext>
+            </a:extLst>
+          </p:cNvPr>
+          <p:cNvSpPr txBox="1"/>
+          <p:nvPr/>
+        </p:nvSpPr>
+        <p:spPr>
+          <a:xfrm>
+            <a:off x="10627840" y="410360"/>
+            <a:ext cx="607859" cy="307777"/>
+          </a:xfrm>
+          <a:prstGeom prst="rect">
+            <a:avLst/>
+          </a:prstGeom>
+          <a:noFill/>
+        </p:spPr>
+        <p:txBody>
+          <a:bodyPr wrap="none" rtlCol="0">
+            <a:spAutoFit/>
+          </a:bodyPr>
+          <a:lstStyle>
+            <a:defPPr>
+              <a:defRPr lang="ko-KR"/>
+            </a:defPPr>
+            <a:lvl1pPr marL="0" algn="l" defTabSz="914400" rtl="0" eaLnBrk="1" latinLnBrk="1" hangingPunct="1">
+              <a:defRPr sz="1800" kern="1200">
+                <a:solidFill>
+                  <a:schemeClr val="tx1"/>
+                </a:solidFill>
+                <a:latin typeface="+mn-lt"/>
+                <a:ea typeface="+mn-ea"/>
+                <a:cs typeface="+mn-cs"/>
+              </a:defRPr>
+            </a:lvl1pPr>
+            <a:lvl2pPr marL="457200" algn="l" defTabSz="914400" rtl="0" eaLnBrk="1" latinLnBrk="1" hangingPunct="1">
+              <a:defRPr sz="1800" kern="1200">
+                <a:solidFill>
+                  <a:schemeClr val="tx1"/>
+                </a:solidFill>
+                <a:latin typeface="+mn-lt"/>
+                <a:ea typeface="+mn-ea"/>
+                <a:cs typeface="+mn-cs"/>
+              </a:defRPr>
+            </a:lvl2pPr>
+            <a:lvl3pPr marL="914400" algn="l" defTabSz="914400" rtl="0" eaLnBrk="1" latinLnBrk="1" hangingPunct="1">
+              <a:defRPr sz="1800" kern="1200">
+                <a:solidFill>
+                  <a:schemeClr val="tx1"/>
+                </a:solidFill>
+                <a:latin typeface="+mn-lt"/>
+                <a:ea typeface="+mn-ea"/>
+                <a:cs typeface="+mn-cs"/>
+              </a:defRPr>
+            </a:lvl3pPr>
+            <a:lvl4pPr marL="1371600" algn="l" defTabSz="914400" rtl="0" eaLnBrk="1" latinLnBrk="1" hangingPunct="1">
+              <a:defRPr sz="1800" kern="1200">
+                <a:solidFill>
+                  <a:schemeClr val="tx1"/>
+                </a:solidFill>
+                <a:latin typeface="+mn-lt"/>
+                <a:ea typeface="+mn-ea"/>
+                <a:cs typeface="+mn-cs"/>
+              </a:defRPr>
+            </a:lvl4pPr>
+            <a:lvl5pPr marL="1828800" algn="l" defTabSz="914400" rtl="0" eaLnBrk="1" latinLnBrk="1" hangingPunct="1">
+              <a:defRPr sz="1800" kern="1200">
+                <a:solidFill>
+                  <a:schemeClr val="tx1"/>
+                </a:solidFill>
+                <a:latin typeface="+mn-lt"/>
+                <a:ea typeface="+mn-ea"/>
+                <a:cs typeface="+mn-cs"/>
+              </a:defRPr>
+            </a:lvl5pPr>
+            <a:lvl6pPr marL="2286000" algn="l" defTabSz="914400" rtl="0" eaLnBrk="1" latinLnBrk="1" hangingPunct="1">
+              <a:defRPr sz="1800" kern="1200">
+                <a:solidFill>
+                  <a:schemeClr val="tx1"/>
+                </a:solidFill>
+                <a:latin typeface="+mn-lt"/>
+                <a:ea typeface="+mn-ea"/>
+                <a:cs typeface="+mn-cs"/>
+              </a:defRPr>
+            </a:lvl6pPr>
+            <a:lvl7pPr marL="2743200" algn="l" defTabSz="914400" rtl="0" eaLnBrk="1" latinLnBrk="1" hangingPunct="1">
+              <a:defRPr sz="1800" kern="1200">
+                <a:solidFill>
+                  <a:schemeClr val="tx1"/>
+                </a:solidFill>
+                <a:latin typeface="+mn-lt"/>
+                <a:ea typeface="+mn-ea"/>
+                <a:cs typeface="+mn-cs"/>
+              </a:defRPr>
+            </a:lvl7pPr>
+            <a:lvl8pPr marL="3200400" algn="l" defTabSz="914400" rtl="0" eaLnBrk="1" latinLnBrk="1" hangingPunct="1">
+              <a:defRPr sz="1800" kern="1200">
+                <a:solidFill>
+                  <a:schemeClr val="tx1"/>
+                </a:solidFill>
+                <a:latin typeface="+mn-lt"/>
+                <a:ea typeface="+mn-ea"/>
+                <a:cs typeface="+mn-cs"/>
+              </a:defRPr>
+            </a:lvl8pPr>
+            <a:lvl9pPr marL="3657600" algn="l" defTabSz="914400" rtl="0" eaLnBrk="1" latinLnBrk="1" hangingPunct="1">
+              <a:defRPr sz="1800" kern="1200">
+                <a:solidFill>
+                  <a:schemeClr val="tx1"/>
+                </a:solidFill>
+                <a:latin typeface="+mn-lt"/>
+                <a:ea typeface="+mn-ea"/>
+                <a:cs typeface="+mn-cs"/>
+              </a:defRPr>
+            </a:lvl9pPr>
+          </a:lstStyle>
+          <a:p>
+            <a:r>
+              <a:rPr lang="en-US" altLang="ko-KR" sz="1400" b="1" dirty="0">
+                <a:solidFill>
+                  <a:schemeClr val="bg1"/>
+                </a:solidFill>
+              </a:rPr>
+              <a:t>P452</a:t>
+            </a:r>
           </a:p>
         </p:txBody>
       </p:sp>
@@ -18265,6 +20260,139 @@
           </a:p>
         </p:txBody>
       </p:sp>
+      <p:sp>
+        <p:nvSpPr>
+          <p:cNvPr id="10" name="TextBox 9">
+            <a:extLst>
+              <a:ext uri="{FF2B5EF4-FFF2-40B4-BE49-F238E27FC236}">
+                <a16:creationId xmlns:a16="http://schemas.microsoft.com/office/drawing/2014/main" id="{9E922C92-E479-4FD3-929A-3475FB19CF64}"/>
+              </a:ext>
+            </a:extLst>
+          </p:cNvPr>
+          <p:cNvSpPr txBox="1"/>
+          <p:nvPr/>
+        </p:nvSpPr>
+        <p:spPr>
+          <a:xfrm>
+            <a:off x="10627840" y="410360"/>
+            <a:ext cx="607859" cy="307777"/>
+          </a:xfrm>
+          <a:prstGeom prst="rect">
+            <a:avLst/>
+          </a:prstGeom>
+          <a:noFill/>
+        </p:spPr>
+        <p:txBody>
+          <a:bodyPr wrap="none" rtlCol="0">
+            <a:spAutoFit/>
+          </a:bodyPr>
+          <a:lstStyle>
+            <a:defPPr>
+              <a:defRPr lang="ko-KR"/>
+            </a:defPPr>
+            <a:lvl1pPr marL="0" algn="l" defTabSz="914400" rtl="0" eaLnBrk="1" latinLnBrk="1" hangingPunct="1">
+              <a:defRPr sz="1800" kern="1200">
+                <a:solidFill>
+                  <a:schemeClr val="tx1"/>
+                </a:solidFill>
+                <a:latin typeface="+mn-lt"/>
+                <a:ea typeface="+mn-ea"/>
+                <a:cs typeface="+mn-cs"/>
+              </a:defRPr>
+            </a:lvl1pPr>
+            <a:lvl2pPr marL="457200" algn="l" defTabSz="914400" rtl="0" eaLnBrk="1" latinLnBrk="1" hangingPunct="1">
+              <a:defRPr sz="1800" kern="1200">
+                <a:solidFill>
+                  <a:schemeClr val="tx1"/>
+                </a:solidFill>
+                <a:latin typeface="+mn-lt"/>
+                <a:ea typeface="+mn-ea"/>
+                <a:cs typeface="+mn-cs"/>
+              </a:defRPr>
+            </a:lvl2pPr>
+            <a:lvl3pPr marL="914400" algn="l" defTabSz="914400" rtl="0" eaLnBrk="1" latinLnBrk="1" hangingPunct="1">
+              <a:defRPr sz="1800" kern="1200">
+                <a:solidFill>
+                  <a:schemeClr val="tx1"/>
+                </a:solidFill>
+                <a:latin typeface="+mn-lt"/>
+                <a:ea typeface="+mn-ea"/>
+                <a:cs typeface="+mn-cs"/>
+              </a:defRPr>
+            </a:lvl3pPr>
+            <a:lvl4pPr marL="1371600" algn="l" defTabSz="914400" rtl="0" eaLnBrk="1" latinLnBrk="1" hangingPunct="1">
+              <a:defRPr sz="1800" kern="1200">
+                <a:solidFill>
+                  <a:schemeClr val="tx1"/>
+                </a:solidFill>
+                <a:latin typeface="+mn-lt"/>
+                <a:ea typeface="+mn-ea"/>
+                <a:cs typeface="+mn-cs"/>
+              </a:defRPr>
+            </a:lvl4pPr>
+            <a:lvl5pPr marL="1828800" algn="l" defTabSz="914400" rtl="0" eaLnBrk="1" latinLnBrk="1" hangingPunct="1">
+              <a:defRPr sz="1800" kern="1200">
+                <a:solidFill>
+                  <a:schemeClr val="tx1"/>
+                </a:solidFill>
+                <a:latin typeface="+mn-lt"/>
+                <a:ea typeface="+mn-ea"/>
+                <a:cs typeface="+mn-cs"/>
+              </a:defRPr>
+            </a:lvl5pPr>
+            <a:lvl6pPr marL="2286000" algn="l" defTabSz="914400" rtl="0" eaLnBrk="1" latinLnBrk="1" hangingPunct="1">
+              <a:defRPr sz="1800" kern="1200">
+                <a:solidFill>
+                  <a:schemeClr val="tx1"/>
+                </a:solidFill>
+                <a:latin typeface="+mn-lt"/>
+                <a:ea typeface="+mn-ea"/>
+                <a:cs typeface="+mn-cs"/>
+              </a:defRPr>
+            </a:lvl6pPr>
+            <a:lvl7pPr marL="2743200" algn="l" defTabSz="914400" rtl="0" eaLnBrk="1" latinLnBrk="1" hangingPunct="1">
+              <a:defRPr sz="1800" kern="1200">
+                <a:solidFill>
+                  <a:schemeClr val="tx1"/>
+                </a:solidFill>
+                <a:latin typeface="+mn-lt"/>
+                <a:ea typeface="+mn-ea"/>
+                <a:cs typeface="+mn-cs"/>
+              </a:defRPr>
+            </a:lvl7pPr>
+            <a:lvl8pPr marL="3200400" algn="l" defTabSz="914400" rtl="0" eaLnBrk="1" latinLnBrk="1" hangingPunct="1">
+              <a:defRPr sz="1800" kern="1200">
+                <a:solidFill>
+                  <a:schemeClr val="tx1"/>
+                </a:solidFill>
+                <a:latin typeface="+mn-lt"/>
+                <a:ea typeface="+mn-ea"/>
+                <a:cs typeface="+mn-cs"/>
+              </a:defRPr>
+            </a:lvl8pPr>
+            <a:lvl9pPr marL="3657600" algn="l" defTabSz="914400" rtl="0" eaLnBrk="1" latinLnBrk="1" hangingPunct="1">
+              <a:defRPr sz="1800" kern="1200">
+                <a:solidFill>
+                  <a:schemeClr val="tx1"/>
+                </a:solidFill>
+                <a:latin typeface="+mn-lt"/>
+                <a:ea typeface="+mn-ea"/>
+                <a:cs typeface="+mn-cs"/>
+              </a:defRPr>
+            </a:lvl9pPr>
+          </a:lstStyle>
+          <a:p>
+            <a:r>
+              <a:rPr lang="en-US" altLang="ko-KR" sz="1400" b="1" dirty="0">
+                <a:solidFill>
+                  <a:schemeClr val="bg1"/>
+                </a:solidFill>
+              </a:rPr>
+              <a:t>P453</a:t>
+            </a:r>
+          </a:p>
+        </p:txBody>
+      </p:sp>
     </p:spTree>
     <p:extLst>
       <p:ext uri="{BB962C8B-B14F-4D97-AF65-F5344CB8AC3E}">
@@ -19075,6 +21203,139 @@
           </a:prstGeom>
         </p:spPr>
       </p:pic>
+      <p:sp>
+        <p:nvSpPr>
+          <p:cNvPr id="11" name="TextBox 10">
+            <a:extLst>
+              <a:ext uri="{FF2B5EF4-FFF2-40B4-BE49-F238E27FC236}">
+                <a16:creationId xmlns:a16="http://schemas.microsoft.com/office/drawing/2014/main" id="{3FDA5712-3E63-4851-9DFF-0EB79FB8C9B5}"/>
+              </a:ext>
+            </a:extLst>
+          </p:cNvPr>
+          <p:cNvSpPr txBox="1"/>
+          <p:nvPr/>
+        </p:nvSpPr>
+        <p:spPr>
+          <a:xfrm>
+            <a:off x="10627840" y="410360"/>
+            <a:ext cx="607859" cy="307777"/>
+          </a:xfrm>
+          <a:prstGeom prst="rect">
+            <a:avLst/>
+          </a:prstGeom>
+          <a:noFill/>
+        </p:spPr>
+        <p:txBody>
+          <a:bodyPr wrap="none" rtlCol="0">
+            <a:spAutoFit/>
+          </a:bodyPr>
+          <a:lstStyle>
+            <a:defPPr>
+              <a:defRPr lang="ko-KR"/>
+            </a:defPPr>
+            <a:lvl1pPr marL="0" algn="l" defTabSz="914400" rtl="0" eaLnBrk="1" latinLnBrk="1" hangingPunct="1">
+              <a:defRPr sz="1800" kern="1200">
+                <a:solidFill>
+                  <a:schemeClr val="tx1"/>
+                </a:solidFill>
+                <a:latin typeface="+mn-lt"/>
+                <a:ea typeface="+mn-ea"/>
+                <a:cs typeface="+mn-cs"/>
+              </a:defRPr>
+            </a:lvl1pPr>
+            <a:lvl2pPr marL="457200" algn="l" defTabSz="914400" rtl="0" eaLnBrk="1" latinLnBrk="1" hangingPunct="1">
+              <a:defRPr sz="1800" kern="1200">
+                <a:solidFill>
+                  <a:schemeClr val="tx1"/>
+                </a:solidFill>
+                <a:latin typeface="+mn-lt"/>
+                <a:ea typeface="+mn-ea"/>
+                <a:cs typeface="+mn-cs"/>
+              </a:defRPr>
+            </a:lvl2pPr>
+            <a:lvl3pPr marL="914400" algn="l" defTabSz="914400" rtl="0" eaLnBrk="1" latinLnBrk="1" hangingPunct="1">
+              <a:defRPr sz="1800" kern="1200">
+                <a:solidFill>
+                  <a:schemeClr val="tx1"/>
+                </a:solidFill>
+                <a:latin typeface="+mn-lt"/>
+                <a:ea typeface="+mn-ea"/>
+                <a:cs typeface="+mn-cs"/>
+              </a:defRPr>
+            </a:lvl3pPr>
+            <a:lvl4pPr marL="1371600" algn="l" defTabSz="914400" rtl="0" eaLnBrk="1" latinLnBrk="1" hangingPunct="1">
+              <a:defRPr sz="1800" kern="1200">
+                <a:solidFill>
+                  <a:schemeClr val="tx1"/>
+                </a:solidFill>
+                <a:latin typeface="+mn-lt"/>
+                <a:ea typeface="+mn-ea"/>
+                <a:cs typeface="+mn-cs"/>
+              </a:defRPr>
+            </a:lvl4pPr>
+            <a:lvl5pPr marL="1828800" algn="l" defTabSz="914400" rtl="0" eaLnBrk="1" latinLnBrk="1" hangingPunct="1">
+              <a:defRPr sz="1800" kern="1200">
+                <a:solidFill>
+                  <a:schemeClr val="tx1"/>
+                </a:solidFill>
+                <a:latin typeface="+mn-lt"/>
+                <a:ea typeface="+mn-ea"/>
+                <a:cs typeface="+mn-cs"/>
+              </a:defRPr>
+            </a:lvl5pPr>
+            <a:lvl6pPr marL="2286000" algn="l" defTabSz="914400" rtl="0" eaLnBrk="1" latinLnBrk="1" hangingPunct="1">
+              <a:defRPr sz="1800" kern="1200">
+                <a:solidFill>
+                  <a:schemeClr val="tx1"/>
+                </a:solidFill>
+                <a:latin typeface="+mn-lt"/>
+                <a:ea typeface="+mn-ea"/>
+                <a:cs typeface="+mn-cs"/>
+              </a:defRPr>
+            </a:lvl6pPr>
+            <a:lvl7pPr marL="2743200" algn="l" defTabSz="914400" rtl="0" eaLnBrk="1" latinLnBrk="1" hangingPunct="1">
+              <a:defRPr sz="1800" kern="1200">
+                <a:solidFill>
+                  <a:schemeClr val="tx1"/>
+                </a:solidFill>
+                <a:latin typeface="+mn-lt"/>
+                <a:ea typeface="+mn-ea"/>
+                <a:cs typeface="+mn-cs"/>
+              </a:defRPr>
+            </a:lvl7pPr>
+            <a:lvl8pPr marL="3200400" algn="l" defTabSz="914400" rtl="0" eaLnBrk="1" latinLnBrk="1" hangingPunct="1">
+              <a:defRPr sz="1800" kern="1200">
+                <a:solidFill>
+                  <a:schemeClr val="tx1"/>
+                </a:solidFill>
+                <a:latin typeface="+mn-lt"/>
+                <a:ea typeface="+mn-ea"/>
+                <a:cs typeface="+mn-cs"/>
+              </a:defRPr>
+            </a:lvl8pPr>
+            <a:lvl9pPr marL="3657600" algn="l" defTabSz="914400" rtl="0" eaLnBrk="1" latinLnBrk="1" hangingPunct="1">
+              <a:defRPr sz="1800" kern="1200">
+                <a:solidFill>
+                  <a:schemeClr val="tx1"/>
+                </a:solidFill>
+                <a:latin typeface="+mn-lt"/>
+                <a:ea typeface="+mn-ea"/>
+                <a:cs typeface="+mn-cs"/>
+              </a:defRPr>
+            </a:lvl9pPr>
+          </a:lstStyle>
+          <a:p>
+            <a:r>
+              <a:rPr lang="en-US" altLang="ko-KR" sz="1400" b="1" dirty="0">
+                <a:solidFill>
+                  <a:schemeClr val="bg1"/>
+                </a:solidFill>
+              </a:rPr>
+              <a:t>P455</a:t>
+            </a:r>
+          </a:p>
+        </p:txBody>
+      </p:sp>
     </p:spTree>
     <p:extLst>
       <p:ext uri="{BB962C8B-B14F-4D97-AF65-F5344CB8AC3E}">
@@ -20304,6 +22565,139 @@
           </a:prstGeom>
         </p:spPr>
       </p:pic>
+      <p:sp>
+        <p:nvSpPr>
+          <p:cNvPr id="8" name="TextBox 7">
+            <a:extLst>
+              <a:ext uri="{FF2B5EF4-FFF2-40B4-BE49-F238E27FC236}">
+                <a16:creationId xmlns:a16="http://schemas.microsoft.com/office/drawing/2014/main" id="{3B0049E3-1697-4239-9966-8D211CDAD033}"/>
+              </a:ext>
+            </a:extLst>
+          </p:cNvPr>
+          <p:cNvSpPr txBox="1"/>
+          <p:nvPr/>
+        </p:nvSpPr>
+        <p:spPr>
+          <a:xfrm>
+            <a:off x="10627840" y="410360"/>
+            <a:ext cx="607859" cy="307777"/>
+          </a:xfrm>
+          <a:prstGeom prst="rect">
+            <a:avLst/>
+          </a:prstGeom>
+          <a:noFill/>
+        </p:spPr>
+        <p:txBody>
+          <a:bodyPr wrap="none" rtlCol="0">
+            <a:spAutoFit/>
+          </a:bodyPr>
+          <a:lstStyle>
+            <a:defPPr>
+              <a:defRPr lang="ko-KR"/>
+            </a:defPPr>
+            <a:lvl1pPr marL="0" algn="l" defTabSz="914400" rtl="0" eaLnBrk="1" latinLnBrk="1" hangingPunct="1">
+              <a:defRPr sz="1800" kern="1200">
+                <a:solidFill>
+                  <a:schemeClr val="tx1"/>
+                </a:solidFill>
+                <a:latin typeface="+mn-lt"/>
+                <a:ea typeface="+mn-ea"/>
+                <a:cs typeface="+mn-cs"/>
+              </a:defRPr>
+            </a:lvl1pPr>
+            <a:lvl2pPr marL="457200" algn="l" defTabSz="914400" rtl="0" eaLnBrk="1" latinLnBrk="1" hangingPunct="1">
+              <a:defRPr sz="1800" kern="1200">
+                <a:solidFill>
+                  <a:schemeClr val="tx1"/>
+                </a:solidFill>
+                <a:latin typeface="+mn-lt"/>
+                <a:ea typeface="+mn-ea"/>
+                <a:cs typeface="+mn-cs"/>
+              </a:defRPr>
+            </a:lvl2pPr>
+            <a:lvl3pPr marL="914400" algn="l" defTabSz="914400" rtl="0" eaLnBrk="1" latinLnBrk="1" hangingPunct="1">
+              <a:defRPr sz="1800" kern="1200">
+                <a:solidFill>
+                  <a:schemeClr val="tx1"/>
+                </a:solidFill>
+                <a:latin typeface="+mn-lt"/>
+                <a:ea typeface="+mn-ea"/>
+                <a:cs typeface="+mn-cs"/>
+              </a:defRPr>
+            </a:lvl3pPr>
+            <a:lvl4pPr marL="1371600" algn="l" defTabSz="914400" rtl="0" eaLnBrk="1" latinLnBrk="1" hangingPunct="1">
+              <a:defRPr sz="1800" kern="1200">
+                <a:solidFill>
+                  <a:schemeClr val="tx1"/>
+                </a:solidFill>
+                <a:latin typeface="+mn-lt"/>
+                <a:ea typeface="+mn-ea"/>
+                <a:cs typeface="+mn-cs"/>
+              </a:defRPr>
+            </a:lvl4pPr>
+            <a:lvl5pPr marL="1828800" algn="l" defTabSz="914400" rtl="0" eaLnBrk="1" latinLnBrk="1" hangingPunct="1">
+              <a:defRPr sz="1800" kern="1200">
+                <a:solidFill>
+                  <a:schemeClr val="tx1"/>
+                </a:solidFill>
+                <a:latin typeface="+mn-lt"/>
+                <a:ea typeface="+mn-ea"/>
+                <a:cs typeface="+mn-cs"/>
+              </a:defRPr>
+            </a:lvl5pPr>
+            <a:lvl6pPr marL="2286000" algn="l" defTabSz="914400" rtl="0" eaLnBrk="1" latinLnBrk="1" hangingPunct="1">
+              <a:defRPr sz="1800" kern="1200">
+                <a:solidFill>
+                  <a:schemeClr val="tx1"/>
+                </a:solidFill>
+                <a:latin typeface="+mn-lt"/>
+                <a:ea typeface="+mn-ea"/>
+                <a:cs typeface="+mn-cs"/>
+              </a:defRPr>
+            </a:lvl6pPr>
+            <a:lvl7pPr marL="2743200" algn="l" defTabSz="914400" rtl="0" eaLnBrk="1" latinLnBrk="1" hangingPunct="1">
+              <a:defRPr sz="1800" kern="1200">
+                <a:solidFill>
+                  <a:schemeClr val="tx1"/>
+                </a:solidFill>
+                <a:latin typeface="+mn-lt"/>
+                <a:ea typeface="+mn-ea"/>
+                <a:cs typeface="+mn-cs"/>
+              </a:defRPr>
+            </a:lvl7pPr>
+            <a:lvl8pPr marL="3200400" algn="l" defTabSz="914400" rtl="0" eaLnBrk="1" latinLnBrk="1" hangingPunct="1">
+              <a:defRPr sz="1800" kern="1200">
+                <a:solidFill>
+                  <a:schemeClr val="tx1"/>
+                </a:solidFill>
+                <a:latin typeface="+mn-lt"/>
+                <a:ea typeface="+mn-ea"/>
+                <a:cs typeface="+mn-cs"/>
+              </a:defRPr>
+            </a:lvl8pPr>
+            <a:lvl9pPr marL="3657600" algn="l" defTabSz="914400" rtl="0" eaLnBrk="1" latinLnBrk="1" hangingPunct="1">
+              <a:defRPr sz="1800" kern="1200">
+                <a:solidFill>
+                  <a:schemeClr val="tx1"/>
+                </a:solidFill>
+                <a:latin typeface="+mn-lt"/>
+                <a:ea typeface="+mn-ea"/>
+                <a:cs typeface="+mn-cs"/>
+              </a:defRPr>
+            </a:lvl9pPr>
+          </a:lstStyle>
+          <a:p>
+            <a:r>
+              <a:rPr lang="en-US" altLang="ko-KR" sz="1400" b="1" dirty="0">
+                <a:solidFill>
+                  <a:schemeClr val="bg1"/>
+                </a:solidFill>
+              </a:rPr>
+              <a:t>P455</a:t>
+            </a:r>
+          </a:p>
+        </p:txBody>
+      </p:sp>
     </p:spTree>
     <p:extLst>
       <p:ext uri="{BB962C8B-B14F-4D97-AF65-F5344CB8AC3E}">
@@ -21214,6 +23608,139 @@
           </a:prstGeom>
         </p:spPr>
       </p:pic>
+      <p:sp>
+        <p:nvSpPr>
+          <p:cNvPr id="10" name="TextBox 9">
+            <a:extLst>
+              <a:ext uri="{FF2B5EF4-FFF2-40B4-BE49-F238E27FC236}">
+                <a16:creationId xmlns:a16="http://schemas.microsoft.com/office/drawing/2014/main" id="{5505F115-E7EA-4D33-92BF-E4FB0B8B81C3}"/>
+              </a:ext>
+            </a:extLst>
+          </p:cNvPr>
+          <p:cNvSpPr txBox="1"/>
+          <p:nvPr/>
+        </p:nvSpPr>
+        <p:spPr>
+          <a:xfrm>
+            <a:off x="10627840" y="410360"/>
+            <a:ext cx="607859" cy="307777"/>
+          </a:xfrm>
+          <a:prstGeom prst="rect">
+            <a:avLst/>
+          </a:prstGeom>
+          <a:noFill/>
+        </p:spPr>
+        <p:txBody>
+          <a:bodyPr wrap="none" rtlCol="0">
+            <a:spAutoFit/>
+          </a:bodyPr>
+          <a:lstStyle>
+            <a:defPPr>
+              <a:defRPr lang="ko-KR"/>
+            </a:defPPr>
+            <a:lvl1pPr marL="0" algn="l" defTabSz="914400" rtl="0" eaLnBrk="1" latinLnBrk="1" hangingPunct="1">
+              <a:defRPr sz="1800" kern="1200">
+                <a:solidFill>
+                  <a:schemeClr val="tx1"/>
+                </a:solidFill>
+                <a:latin typeface="+mn-lt"/>
+                <a:ea typeface="+mn-ea"/>
+                <a:cs typeface="+mn-cs"/>
+              </a:defRPr>
+            </a:lvl1pPr>
+            <a:lvl2pPr marL="457200" algn="l" defTabSz="914400" rtl="0" eaLnBrk="1" latinLnBrk="1" hangingPunct="1">
+              <a:defRPr sz="1800" kern="1200">
+                <a:solidFill>
+                  <a:schemeClr val="tx1"/>
+                </a:solidFill>
+                <a:latin typeface="+mn-lt"/>
+                <a:ea typeface="+mn-ea"/>
+                <a:cs typeface="+mn-cs"/>
+              </a:defRPr>
+            </a:lvl2pPr>
+            <a:lvl3pPr marL="914400" algn="l" defTabSz="914400" rtl="0" eaLnBrk="1" latinLnBrk="1" hangingPunct="1">
+              <a:defRPr sz="1800" kern="1200">
+                <a:solidFill>
+                  <a:schemeClr val="tx1"/>
+                </a:solidFill>
+                <a:latin typeface="+mn-lt"/>
+                <a:ea typeface="+mn-ea"/>
+                <a:cs typeface="+mn-cs"/>
+              </a:defRPr>
+            </a:lvl3pPr>
+            <a:lvl4pPr marL="1371600" algn="l" defTabSz="914400" rtl="0" eaLnBrk="1" latinLnBrk="1" hangingPunct="1">
+              <a:defRPr sz="1800" kern="1200">
+                <a:solidFill>
+                  <a:schemeClr val="tx1"/>
+                </a:solidFill>
+                <a:latin typeface="+mn-lt"/>
+                <a:ea typeface="+mn-ea"/>
+                <a:cs typeface="+mn-cs"/>
+              </a:defRPr>
+            </a:lvl4pPr>
+            <a:lvl5pPr marL="1828800" algn="l" defTabSz="914400" rtl="0" eaLnBrk="1" latinLnBrk="1" hangingPunct="1">
+              <a:defRPr sz="1800" kern="1200">
+                <a:solidFill>
+                  <a:schemeClr val="tx1"/>
+                </a:solidFill>
+                <a:latin typeface="+mn-lt"/>
+                <a:ea typeface="+mn-ea"/>
+                <a:cs typeface="+mn-cs"/>
+              </a:defRPr>
+            </a:lvl5pPr>
+            <a:lvl6pPr marL="2286000" algn="l" defTabSz="914400" rtl="0" eaLnBrk="1" latinLnBrk="1" hangingPunct="1">
+              <a:defRPr sz="1800" kern="1200">
+                <a:solidFill>
+                  <a:schemeClr val="tx1"/>
+                </a:solidFill>
+                <a:latin typeface="+mn-lt"/>
+                <a:ea typeface="+mn-ea"/>
+                <a:cs typeface="+mn-cs"/>
+              </a:defRPr>
+            </a:lvl6pPr>
+            <a:lvl7pPr marL="2743200" algn="l" defTabSz="914400" rtl="0" eaLnBrk="1" latinLnBrk="1" hangingPunct="1">
+              <a:defRPr sz="1800" kern="1200">
+                <a:solidFill>
+                  <a:schemeClr val="tx1"/>
+                </a:solidFill>
+                <a:latin typeface="+mn-lt"/>
+                <a:ea typeface="+mn-ea"/>
+                <a:cs typeface="+mn-cs"/>
+              </a:defRPr>
+            </a:lvl7pPr>
+            <a:lvl8pPr marL="3200400" algn="l" defTabSz="914400" rtl="0" eaLnBrk="1" latinLnBrk="1" hangingPunct="1">
+              <a:defRPr sz="1800" kern="1200">
+                <a:solidFill>
+                  <a:schemeClr val="tx1"/>
+                </a:solidFill>
+                <a:latin typeface="+mn-lt"/>
+                <a:ea typeface="+mn-ea"/>
+                <a:cs typeface="+mn-cs"/>
+              </a:defRPr>
+            </a:lvl8pPr>
+            <a:lvl9pPr marL="3657600" algn="l" defTabSz="914400" rtl="0" eaLnBrk="1" latinLnBrk="1" hangingPunct="1">
+              <a:defRPr sz="1800" kern="1200">
+                <a:solidFill>
+                  <a:schemeClr val="tx1"/>
+                </a:solidFill>
+                <a:latin typeface="+mn-lt"/>
+                <a:ea typeface="+mn-ea"/>
+                <a:cs typeface="+mn-cs"/>
+              </a:defRPr>
+            </a:lvl9pPr>
+          </a:lstStyle>
+          <a:p>
+            <a:r>
+              <a:rPr lang="en-US" altLang="ko-KR" sz="1400" b="1" dirty="0">
+                <a:solidFill>
+                  <a:schemeClr val="bg1"/>
+                </a:solidFill>
+              </a:rPr>
+              <a:t>P457</a:t>
+            </a:r>
+          </a:p>
+        </p:txBody>
+      </p:sp>
     </p:spTree>
     <p:extLst>
       <p:ext uri="{BB962C8B-B14F-4D97-AF65-F5344CB8AC3E}">
@@ -22052,6 +24579,139 @@
           </a:prstGeom>
         </p:spPr>
       </p:pic>
+      <p:sp>
+        <p:nvSpPr>
+          <p:cNvPr id="6" name="TextBox 5">
+            <a:extLst>
+              <a:ext uri="{FF2B5EF4-FFF2-40B4-BE49-F238E27FC236}">
+                <a16:creationId xmlns:a16="http://schemas.microsoft.com/office/drawing/2014/main" id="{7935ADD1-DF46-4D3B-BBD2-8AD6C8617C3B}"/>
+              </a:ext>
+            </a:extLst>
+          </p:cNvPr>
+          <p:cNvSpPr txBox="1"/>
+          <p:nvPr/>
+        </p:nvSpPr>
+        <p:spPr>
+          <a:xfrm>
+            <a:off x="10627840" y="410360"/>
+            <a:ext cx="607859" cy="307777"/>
+          </a:xfrm>
+          <a:prstGeom prst="rect">
+            <a:avLst/>
+          </a:prstGeom>
+          <a:noFill/>
+        </p:spPr>
+        <p:txBody>
+          <a:bodyPr wrap="none" rtlCol="0">
+            <a:spAutoFit/>
+          </a:bodyPr>
+          <a:lstStyle>
+            <a:defPPr>
+              <a:defRPr lang="ko-KR"/>
+            </a:defPPr>
+            <a:lvl1pPr marL="0" algn="l" defTabSz="914400" rtl="0" eaLnBrk="1" latinLnBrk="1" hangingPunct="1">
+              <a:defRPr sz="1800" kern="1200">
+                <a:solidFill>
+                  <a:schemeClr val="tx1"/>
+                </a:solidFill>
+                <a:latin typeface="+mn-lt"/>
+                <a:ea typeface="+mn-ea"/>
+                <a:cs typeface="+mn-cs"/>
+              </a:defRPr>
+            </a:lvl1pPr>
+            <a:lvl2pPr marL="457200" algn="l" defTabSz="914400" rtl="0" eaLnBrk="1" latinLnBrk="1" hangingPunct="1">
+              <a:defRPr sz="1800" kern="1200">
+                <a:solidFill>
+                  <a:schemeClr val="tx1"/>
+                </a:solidFill>
+                <a:latin typeface="+mn-lt"/>
+                <a:ea typeface="+mn-ea"/>
+                <a:cs typeface="+mn-cs"/>
+              </a:defRPr>
+            </a:lvl2pPr>
+            <a:lvl3pPr marL="914400" algn="l" defTabSz="914400" rtl="0" eaLnBrk="1" latinLnBrk="1" hangingPunct="1">
+              <a:defRPr sz="1800" kern="1200">
+                <a:solidFill>
+                  <a:schemeClr val="tx1"/>
+                </a:solidFill>
+                <a:latin typeface="+mn-lt"/>
+                <a:ea typeface="+mn-ea"/>
+                <a:cs typeface="+mn-cs"/>
+              </a:defRPr>
+            </a:lvl3pPr>
+            <a:lvl4pPr marL="1371600" algn="l" defTabSz="914400" rtl="0" eaLnBrk="1" latinLnBrk="1" hangingPunct="1">
+              <a:defRPr sz="1800" kern="1200">
+                <a:solidFill>
+                  <a:schemeClr val="tx1"/>
+                </a:solidFill>
+                <a:latin typeface="+mn-lt"/>
+                <a:ea typeface="+mn-ea"/>
+                <a:cs typeface="+mn-cs"/>
+              </a:defRPr>
+            </a:lvl4pPr>
+            <a:lvl5pPr marL="1828800" algn="l" defTabSz="914400" rtl="0" eaLnBrk="1" latinLnBrk="1" hangingPunct="1">
+              <a:defRPr sz="1800" kern="1200">
+                <a:solidFill>
+                  <a:schemeClr val="tx1"/>
+                </a:solidFill>
+                <a:latin typeface="+mn-lt"/>
+                <a:ea typeface="+mn-ea"/>
+                <a:cs typeface="+mn-cs"/>
+              </a:defRPr>
+            </a:lvl5pPr>
+            <a:lvl6pPr marL="2286000" algn="l" defTabSz="914400" rtl="0" eaLnBrk="1" latinLnBrk="1" hangingPunct="1">
+              <a:defRPr sz="1800" kern="1200">
+                <a:solidFill>
+                  <a:schemeClr val="tx1"/>
+                </a:solidFill>
+                <a:latin typeface="+mn-lt"/>
+                <a:ea typeface="+mn-ea"/>
+                <a:cs typeface="+mn-cs"/>
+              </a:defRPr>
+            </a:lvl6pPr>
+            <a:lvl7pPr marL="2743200" algn="l" defTabSz="914400" rtl="0" eaLnBrk="1" latinLnBrk="1" hangingPunct="1">
+              <a:defRPr sz="1800" kern="1200">
+                <a:solidFill>
+                  <a:schemeClr val="tx1"/>
+                </a:solidFill>
+                <a:latin typeface="+mn-lt"/>
+                <a:ea typeface="+mn-ea"/>
+                <a:cs typeface="+mn-cs"/>
+              </a:defRPr>
+            </a:lvl7pPr>
+            <a:lvl8pPr marL="3200400" algn="l" defTabSz="914400" rtl="0" eaLnBrk="1" latinLnBrk="1" hangingPunct="1">
+              <a:defRPr sz="1800" kern="1200">
+                <a:solidFill>
+                  <a:schemeClr val="tx1"/>
+                </a:solidFill>
+                <a:latin typeface="+mn-lt"/>
+                <a:ea typeface="+mn-ea"/>
+                <a:cs typeface="+mn-cs"/>
+              </a:defRPr>
+            </a:lvl8pPr>
+            <a:lvl9pPr marL="3657600" algn="l" defTabSz="914400" rtl="0" eaLnBrk="1" latinLnBrk="1" hangingPunct="1">
+              <a:defRPr sz="1800" kern="1200">
+                <a:solidFill>
+                  <a:schemeClr val="tx1"/>
+                </a:solidFill>
+                <a:latin typeface="+mn-lt"/>
+                <a:ea typeface="+mn-ea"/>
+                <a:cs typeface="+mn-cs"/>
+              </a:defRPr>
+            </a:lvl9pPr>
+          </a:lstStyle>
+          <a:p>
+            <a:r>
+              <a:rPr lang="en-US" altLang="ko-KR" sz="1400" b="1" dirty="0">
+                <a:solidFill>
+                  <a:schemeClr val="bg1"/>
+                </a:solidFill>
+              </a:rPr>
+              <a:t>P459</a:t>
+            </a:r>
+          </a:p>
+        </p:txBody>
+      </p:sp>
     </p:spTree>
     <p:extLst>
       <p:ext uri="{BB962C8B-B14F-4D97-AF65-F5344CB8AC3E}">
